--- a/ppt/rl-classication.pptx
+++ b/ppt/rl-classication.pptx
@@ -2,12 +2,12 @@
 <file path=ppt/presentation.xml><?xml version="1.0" encoding="utf-8"?>
 <p:presentation xmlns:a="http://schemas.openxmlformats.org/drawingml/2006/main" xmlns:r="http://schemas.openxmlformats.org/officeDocument/2006/relationships" xmlns:p="http://schemas.openxmlformats.org/presentationml/2006/main" saveSubsetFonts="1">
   <p:sldMasterIdLst>
-    <p:sldMasterId id="2147483648" r:id="rId1"/>
+    <p:sldMasterId id="2147483684" r:id="rId1"/>
   </p:sldMasterIdLst>
   <p:sldIdLst>
     <p:sldId id="256" r:id="rId2"/>
   </p:sldIdLst>
-  <p:sldSz cx="12192000" cy="6858000"/>
+  <p:sldSz cx="10391775" cy="4338638"/>
   <p:notesSz cx="6858000" cy="9144000"/>
   <p:defaultTextStyle>
     <a:defPPr>
@@ -104,6 +104,11 @@
       </a:defRPr>
     </a:lvl9pPr>
   </p:defaultTextStyle>
+  <p:extLst>
+    <p:ext uri="{EFAFB233-063F-42B5-8137-9DF3F51BA10A}">
+      <p15:sldGuideLst xmlns:p15="http://schemas.microsoft.com/office/powerpoint/2012/main"/>
+    </p:ext>
+  </p:extLst>
 </p:presentation>
 </file>
 
@@ -126,7 +131,7 @@
       </p:grpSpPr>
       <p:sp>
         <p:nvSpPr>
-          <p:cNvPr id="2" name="标题 1"/>
+          <p:cNvPr id="2" name="Title 1"/>
           <p:cNvSpPr>
             <a:spLocks noGrp="1"/>
           </p:cNvSpPr>
@@ -136,15 +141,15 @@
         </p:nvSpPr>
         <p:spPr>
           <a:xfrm>
-            <a:off x="1524000" y="1122363"/>
-            <a:ext cx="9144000" cy="2387600"/>
+            <a:off x="1298975" y="710052"/>
+            <a:ext cx="7793831" cy="1510489"/>
           </a:xfrm>
         </p:spPr>
         <p:txBody>
           <a:bodyPr anchor="b"/>
           <a:lstStyle>
             <a:lvl1pPr algn="ctr">
-              <a:defRPr sz="6000"/>
+              <a:defRPr sz="3796"/>
             </a:lvl1pPr>
           </a:lstStyle>
           <a:p>
@@ -152,13 +157,13 @@
               <a:rPr lang="zh-CN" altLang="en-US" smtClean="0"/>
               <a:t>单击此处编辑母版标题样式</a:t>
             </a:r>
-            <a:endParaRPr lang="zh-CN" altLang="en-US"/>
-          </a:p>
-        </p:txBody>
-      </p:sp>
-      <p:sp>
-        <p:nvSpPr>
-          <p:cNvPr id="3" name="副标题 2"/>
+            <a:endParaRPr lang="en-US" dirty="0"/>
+          </a:p>
+        </p:txBody>
+      </p:sp>
+      <p:sp>
+        <p:nvSpPr>
+          <p:cNvPr id="3" name="Subtitle 2"/>
           <p:cNvSpPr>
             <a:spLocks noGrp="1"/>
           </p:cNvSpPr>
@@ -168,8 +173,8 @@
         </p:nvSpPr>
         <p:spPr>
           <a:xfrm>
-            <a:off x="1524000" y="3602038"/>
-            <a:ext cx="9144000" cy="1655762"/>
+            <a:off x="1298975" y="2278790"/>
+            <a:ext cx="7793831" cy="1047500"/>
           </a:xfrm>
         </p:spPr>
         <p:txBody>
@@ -177,39 +182,39 @@
           <a:lstStyle>
             <a:lvl1pPr marL="0" indent="0" algn="ctr">
               <a:buNone/>
-              <a:defRPr sz="2400"/>
+              <a:defRPr sz="1518"/>
             </a:lvl1pPr>
-            <a:lvl2pPr marL="457200" indent="0" algn="ctr">
-              <a:buNone/>
-              <a:defRPr sz="2000"/>
+            <a:lvl2pPr marL="289225" indent="0" algn="ctr">
+              <a:buNone/>
+              <a:defRPr sz="1265"/>
             </a:lvl2pPr>
-            <a:lvl3pPr marL="914400" indent="0" algn="ctr">
-              <a:buNone/>
-              <a:defRPr sz="1800"/>
+            <a:lvl3pPr marL="578449" indent="0" algn="ctr">
+              <a:buNone/>
+              <a:defRPr sz="1139"/>
             </a:lvl3pPr>
-            <a:lvl4pPr marL="1371600" indent="0" algn="ctr">
-              <a:buNone/>
-              <a:defRPr sz="1600"/>
+            <a:lvl4pPr marL="867674" indent="0" algn="ctr">
+              <a:buNone/>
+              <a:defRPr sz="1012"/>
             </a:lvl4pPr>
-            <a:lvl5pPr marL="1828800" indent="0" algn="ctr">
-              <a:buNone/>
-              <a:defRPr sz="1600"/>
+            <a:lvl5pPr marL="1156899" indent="0" algn="ctr">
+              <a:buNone/>
+              <a:defRPr sz="1012"/>
             </a:lvl5pPr>
-            <a:lvl6pPr marL="2286000" indent="0" algn="ctr">
-              <a:buNone/>
-              <a:defRPr sz="1600"/>
+            <a:lvl6pPr marL="1446124" indent="0" algn="ctr">
+              <a:buNone/>
+              <a:defRPr sz="1012"/>
             </a:lvl6pPr>
-            <a:lvl7pPr marL="2743200" indent="0" algn="ctr">
-              <a:buNone/>
-              <a:defRPr sz="1600"/>
+            <a:lvl7pPr marL="1735348" indent="0" algn="ctr">
+              <a:buNone/>
+              <a:defRPr sz="1012"/>
             </a:lvl7pPr>
-            <a:lvl8pPr marL="3200400" indent="0" algn="ctr">
-              <a:buNone/>
-              <a:defRPr sz="1600"/>
+            <a:lvl8pPr marL="2024573" indent="0" algn="ctr">
+              <a:buNone/>
+              <a:defRPr sz="1012"/>
             </a:lvl8pPr>
-            <a:lvl9pPr marL="3657600" indent="0" algn="ctr">
-              <a:buNone/>
-              <a:defRPr sz="1600"/>
+            <a:lvl9pPr marL="2313798" indent="0" algn="ctr">
+              <a:buNone/>
+              <a:defRPr sz="1012"/>
             </a:lvl9pPr>
           </a:lstStyle>
           <a:p>
@@ -217,13 +222,13 @@
               <a:rPr lang="zh-CN" altLang="en-US" smtClean="0"/>
               <a:t>单击以编辑母版副标题样式</a:t>
             </a:r>
-            <a:endParaRPr lang="zh-CN" altLang="en-US"/>
-          </a:p>
-        </p:txBody>
-      </p:sp>
-      <p:sp>
-        <p:nvSpPr>
-          <p:cNvPr id="4" name="日期占位符 3"/>
+            <a:endParaRPr lang="en-US" dirty="0"/>
+          </a:p>
+        </p:txBody>
+      </p:sp>
+      <p:sp>
+        <p:nvSpPr>
+          <p:cNvPr id="4" name="Date Placeholder 3"/>
           <p:cNvSpPr>
             <a:spLocks noGrp="1"/>
           </p:cNvSpPr>
@@ -238,7 +243,7 @@
           <a:p>
             <a:fld id="{4BDBA998-F17B-4516-901B-724C58649EDD}" type="datetimeFigureOut">
               <a:rPr lang="zh-CN" altLang="en-US" smtClean="0"/>
-              <a:t>2021/12/24</a:t>
+              <a:t>2021/12/30</a:t>
             </a:fld>
             <a:endParaRPr lang="zh-CN" altLang="en-US"/>
           </a:p>
@@ -246,7 +251,7 @@
       </p:sp>
       <p:sp>
         <p:nvSpPr>
-          <p:cNvPr id="5" name="页脚占位符 4"/>
+          <p:cNvPr id="5" name="Footer Placeholder 4"/>
           <p:cNvSpPr>
             <a:spLocks noGrp="1"/>
           </p:cNvSpPr>
@@ -265,7 +270,7 @@
       </p:sp>
       <p:sp>
         <p:nvSpPr>
-          <p:cNvPr id="6" name="灯片编号占位符 5"/>
+          <p:cNvPr id="6" name="Slide Number Placeholder 5"/>
           <p:cNvSpPr>
             <a:spLocks noGrp="1"/>
           </p:cNvSpPr>
@@ -289,7 +294,7 @@
     </p:spTree>
     <p:extLst>
       <p:ext uri="{BB962C8B-B14F-4D97-AF65-F5344CB8AC3E}">
-        <p14:creationId xmlns:p14="http://schemas.microsoft.com/office/powerpoint/2010/main" val="1670586671"/>
+        <p14:creationId xmlns:p14="http://schemas.microsoft.com/office/powerpoint/2010/main" val="1643566932"/>
       </p:ext>
     </p:extLst>
   </p:cSld>
@@ -318,7 +323,7 @@
       </p:grpSpPr>
       <p:sp>
         <p:nvSpPr>
-          <p:cNvPr id="2" name="标题 1"/>
+          <p:cNvPr id="2" name="Title 1"/>
           <p:cNvSpPr>
             <a:spLocks noGrp="1"/>
           </p:cNvSpPr>
@@ -335,13 +340,13 @@
               <a:rPr lang="zh-CN" altLang="en-US" smtClean="0"/>
               <a:t>单击此处编辑母版标题样式</a:t>
             </a:r>
-            <a:endParaRPr lang="zh-CN" altLang="en-US"/>
-          </a:p>
-        </p:txBody>
-      </p:sp>
-      <p:sp>
-        <p:nvSpPr>
-          <p:cNvPr id="3" name="竖排文字占位符 2"/>
+            <a:endParaRPr lang="en-US" dirty="0"/>
+          </a:p>
+        </p:txBody>
+      </p:sp>
+      <p:sp>
+        <p:nvSpPr>
+          <p:cNvPr id="3" name="Vertical Text Placeholder 2"/>
           <p:cNvSpPr>
             <a:spLocks noGrp="1"/>
           </p:cNvSpPr>
@@ -387,13 +392,13 @@
               <a:rPr lang="zh-CN" altLang="en-US" smtClean="0"/>
               <a:t>第五级</a:t>
             </a:r>
-            <a:endParaRPr lang="zh-CN" altLang="en-US"/>
-          </a:p>
-        </p:txBody>
-      </p:sp>
-      <p:sp>
-        <p:nvSpPr>
-          <p:cNvPr id="4" name="日期占位符 3"/>
+            <a:endParaRPr lang="en-US" dirty="0"/>
+          </a:p>
+        </p:txBody>
+      </p:sp>
+      <p:sp>
+        <p:nvSpPr>
+          <p:cNvPr id="4" name="Date Placeholder 3"/>
           <p:cNvSpPr>
             <a:spLocks noGrp="1"/>
           </p:cNvSpPr>
@@ -408,7 +413,7 @@
           <a:p>
             <a:fld id="{4BDBA998-F17B-4516-901B-724C58649EDD}" type="datetimeFigureOut">
               <a:rPr lang="zh-CN" altLang="en-US" smtClean="0"/>
-              <a:t>2021/12/24</a:t>
+              <a:t>2021/12/30</a:t>
             </a:fld>
             <a:endParaRPr lang="zh-CN" altLang="en-US"/>
           </a:p>
@@ -416,7 +421,7 @@
       </p:sp>
       <p:sp>
         <p:nvSpPr>
-          <p:cNvPr id="5" name="页脚占位符 4"/>
+          <p:cNvPr id="5" name="Footer Placeholder 4"/>
           <p:cNvSpPr>
             <a:spLocks noGrp="1"/>
           </p:cNvSpPr>
@@ -435,7 +440,7 @@
       </p:sp>
       <p:sp>
         <p:nvSpPr>
-          <p:cNvPr id="6" name="灯片编号占位符 5"/>
+          <p:cNvPr id="6" name="Slide Number Placeholder 5"/>
           <p:cNvSpPr>
             <a:spLocks noGrp="1"/>
           </p:cNvSpPr>
@@ -459,7 +464,7 @@
     </p:spTree>
     <p:extLst>
       <p:ext uri="{BB962C8B-B14F-4D97-AF65-F5344CB8AC3E}">
-        <p14:creationId xmlns:p14="http://schemas.microsoft.com/office/powerpoint/2010/main" val="1862845826"/>
+        <p14:creationId xmlns:p14="http://schemas.microsoft.com/office/powerpoint/2010/main" val="3215733975"/>
       </p:ext>
     </p:extLst>
   </p:cSld>
@@ -488,7 +493,7 @@
       </p:grpSpPr>
       <p:sp>
         <p:nvSpPr>
-          <p:cNvPr id="2" name="竖排标题 1"/>
+          <p:cNvPr id="2" name="Vertical Title 1"/>
           <p:cNvSpPr>
             <a:spLocks noGrp="1"/>
           </p:cNvSpPr>
@@ -498,8 +503,8 @@
         </p:nvSpPr>
         <p:spPr>
           <a:xfrm>
-            <a:off x="8724900" y="365125"/>
-            <a:ext cx="2628900" cy="5811838"/>
+            <a:off x="7436614" y="230996"/>
+            <a:ext cx="2240726" cy="3676795"/>
           </a:xfrm>
         </p:spPr>
         <p:txBody>
@@ -510,13 +515,13 @@
               <a:rPr lang="zh-CN" altLang="en-US" smtClean="0"/>
               <a:t>单击此处编辑母版标题样式</a:t>
             </a:r>
-            <a:endParaRPr lang="zh-CN" altLang="en-US"/>
-          </a:p>
-        </p:txBody>
-      </p:sp>
-      <p:sp>
-        <p:nvSpPr>
-          <p:cNvPr id="3" name="竖排文字占位符 2"/>
+            <a:endParaRPr lang="en-US" dirty="0"/>
+          </a:p>
+        </p:txBody>
+      </p:sp>
+      <p:sp>
+        <p:nvSpPr>
+          <p:cNvPr id="3" name="Vertical Text Placeholder 2"/>
           <p:cNvSpPr>
             <a:spLocks noGrp="1"/>
           </p:cNvSpPr>
@@ -526,8 +531,8 @@
         </p:nvSpPr>
         <p:spPr>
           <a:xfrm>
-            <a:off x="838200" y="365125"/>
-            <a:ext cx="7734300" cy="5811838"/>
+            <a:off x="714435" y="230996"/>
+            <a:ext cx="6592282" cy="3676795"/>
           </a:xfrm>
         </p:spPr>
         <p:txBody>
@@ -567,13 +572,13 @@
               <a:rPr lang="zh-CN" altLang="en-US" smtClean="0"/>
               <a:t>第五级</a:t>
             </a:r>
-            <a:endParaRPr lang="zh-CN" altLang="en-US"/>
-          </a:p>
-        </p:txBody>
-      </p:sp>
-      <p:sp>
-        <p:nvSpPr>
-          <p:cNvPr id="4" name="日期占位符 3"/>
+            <a:endParaRPr lang="en-US" dirty="0"/>
+          </a:p>
+        </p:txBody>
+      </p:sp>
+      <p:sp>
+        <p:nvSpPr>
+          <p:cNvPr id="4" name="Date Placeholder 3"/>
           <p:cNvSpPr>
             <a:spLocks noGrp="1"/>
           </p:cNvSpPr>
@@ -588,7 +593,7 @@
           <a:p>
             <a:fld id="{4BDBA998-F17B-4516-901B-724C58649EDD}" type="datetimeFigureOut">
               <a:rPr lang="zh-CN" altLang="en-US" smtClean="0"/>
-              <a:t>2021/12/24</a:t>
+              <a:t>2021/12/30</a:t>
             </a:fld>
             <a:endParaRPr lang="zh-CN" altLang="en-US"/>
           </a:p>
@@ -596,7 +601,7 @@
       </p:sp>
       <p:sp>
         <p:nvSpPr>
-          <p:cNvPr id="5" name="页脚占位符 4"/>
+          <p:cNvPr id="5" name="Footer Placeholder 4"/>
           <p:cNvSpPr>
             <a:spLocks noGrp="1"/>
           </p:cNvSpPr>
@@ -615,7 +620,7 @@
       </p:sp>
       <p:sp>
         <p:nvSpPr>
-          <p:cNvPr id="6" name="灯片编号占位符 5"/>
+          <p:cNvPr id="6" name="Slide Number Placeholder 5"/>
           <p:cNvSpPr>
             <a:spLocks noGrp="1"/>
           </p:cNvSpPr>
@@ -639,7 +644,7 @@
     </p:spTree>
     <p:extLst>
       <p:ext uri="{BB962C8B-B14F-4D97-AF65-F5344CB8AC3E}">
-        <p14:creationId xmlns:p14="http://schemas.microsoft.com/office/powerpoint/2010/main" val="3719158522"/>
+        <p14:creationId xmlns:p14="http://schemas.microsoft.com/office/powerpoint/2010/main" val="4273833288"/>
       </p:ext>
     </p:extLst>
   </p:cSld>
@@ -668,7 +673,7 @@
       </p:grpSpPr>
       <p:sp>
         <p:nvSpPr>
-          <p:cNvPr id="2" name="标题 1"/>
+          <p:cNvPr id="2" name="Title 1"/>
           <p:cNvSpPr>
             <a:spLocks noGrp="1"/>
           </p:cNvSpPr>
@@ -685,13 +690,13 @@
               <a:rPr lang="zh-CN" altLang="en-US" smtClean="0"/>
               <a:t>单击此处编辑母版标题样式</a:t>
             </a:r>
-            <a:endParaRPr lang="zh-CN" altLang="en-US"/>
-          </a:p>
-        </p:txBody>
-      </p:sp>
-      <p:sp>
-        <p:nvSpPr>
-          <p:cNvPr id="3" name="内容占位符 2"/>
+            <a:endParaRPr lang="en-US" dirty="0"/>
+          </a:p>
+        </p:txBody>
+      </p:sp>
+      <p:sp>
+        <p:nvSpPr>
+          <p:cNvPr id="3" name="Content Placeholder 2"/>
           <p:cNvSpPr>
             <a:spLocks noGrp="1"/>
           </p:cNvSpPr>
@@ -737,13 +742,13 @@
               <a:rPr lang="zh-CN" altLang="en-US" smtClean="0"/>
               <a:t>第五级</a:t>
             </a:r>
-            <a:endParaRPr lang="zh-CN" altLang="en-US"/>
-          </a:p>
-        </p:txBody>
-      </p:sp>
-      <p:sp>
-        <p:nvSpPr>
-          <p:cNvPr id="4" name="日期占位符 3"/>
+            <a:endParaRPr lang="en-US" dirty="0"/>
+          </a:p>
+        </p:txBody>
+      </p:sp>
+      <p:sp>
+        <p:nvSpPr>
+          <p:cNvPr id="4" name="Date Placeholder 3"/>
           <p:cNvSpPr>
             <a:spLocks noGrp="1"/>
           </p:cNvSpPr>
@@ -758,7 +763,7 @@
           <a:p>
             <a:fld id="{4BDBA998-F17B-4516-901B-724C58649EDD}" type="datetimeFigureOut">
               <a:rPr lang="zh-CN" altLang="en-US" smtClean="0"/>
-              <a:t>2021/12/24</a:t>
+              <a:t>2021/12/30</a:t>
             </a:fld>
             <a:endParaRPr lang="zh-CN" altLang="en-US"/>
           </a:p>
@@ -766,7 +771,7 @@
       </p:sp>
       <p:sp>
         <p:nvSpPr>
-          <p:cNvPr id="5" name="页脚占位符 4"/>
+          <p:cNvPr id="5" name="Footer Placeholder 4"/>
           <p:cNvSpPr>
             <a:spLocks noGrp="1"/>
           </p:cNvSpPr>
@@ -785,7 +790,7 @@
       </p:sp>
       <p:sp>
         <p:nvSpPr>
-          <p:cNvPr id="6" name="灯片编号占位符 5"/>
+          <p:cNvPr id="6" name="Slide Number Placeholder 5"/>
           <p:cNvSpPr>
             <a:spLocks noGrp="1"/>
           </p:cNvSpPr>
@@ -809,7 +814,7 @@
     </p:spTree>
     <p:extLst>
       <p:ext uri="{BB962C8B-B14F-4D97-AF65-F5344CB8AC3E}">
-        <p14:creationId xmlns:p14="http://schemas.microsoft.com/office/powerpoint/2010/main" val="784898510"/>
+        <p14:creationId xmlns:p14="http://schemas.microsoft.com/office/powerpoint/2010/main" val="176026202"/>
       </p:ext>
     </p:extLst>
   </p:cSld>
@@ -838,7 +843,7 @@
       </p:grpSpPr>
       <p:sp>
         <p:nvSpPr>
-          <p:cNvPr id="2" name="标题 1"/>
+          <p:cNvPr id="2" name="Title 1"/>
           <p:cNvSpPr>
             <a:spLocks noGrp="1"/>
           </p:cNvSpPr>
@@ -848,15 +853,15 @@
         </p:nvSpPr>
         <p:spPr>
           <a:xfrm>
-            <a:off x="831850" y="1709738"/>
-            <a:ext cx="10515600" cy="2852737"/>
+            <a:off x="709022" y="1081649"/>
+            <a:ext cx="8962906" cy="1804754"/>
           </a:xfrm>
         </p:spPr>
         <p:txBody>
           <a:bodyPr anchor="b"/>
           <a:lstStyle>
             <a:lvl1pPr>
-              <a:defRPr sz="6000"/>
+              <a:defRPr sz="3796"/>
             </a:lvl1pPr>
           </a:lstStyle>
           <a:p>
@@ -864,13 +869,13 @@
               <a:rPr lang="zh-CN" altLang="en-US" smtClean="0"/>
               <a:t>单击此处编辑母版标题样式</a:t>
             </a:r>
-            <a:endParaRPr lang="zh-CN" altLang="en-US"/>
-          </a:p>
-        </p:txBody>
-      </p:sp>
-      <p:sp>
-        <p:nvSpPr>
-          <p:cNvPr id="3" name="文本占位符 2"/>
+            <a:endParaRPr lang="en-US" dirty="0"/>
+          </a:p>
+        </p:txBody>
+      </p:sp>
+      <p:sp>
+        <p:nvSpPr>
+          <p:cNvPr id="3" name="Text Placeholder 2"/>
           <p:cNvSpPr>
             <a:spLocks noGrp="1"/>
           </p:cNvSpPr>
@@ -880,8 +885,8 @@
         </p:nvSpPr>
         <p:spPr>
           <a:xfrm>
-            <a:off x="831850" y="4589463"/>
-            <a:ext cx="10515600" cy="1500187"/>
+            <a:off x="709022" y="2903475"/>
+            <a:ext cx="8962906" cy="949078"/>
           </a:xfrm>
         </p:spPr>
         <p:txBody>
@@ -889,7 +894,7 @@
           <a:lstStyle>
             <a:lvl1pPr marL="0" indent="0">
               <a:buNone/>
-              <a:defRPr sz="2400">
+              <a:defRPr sz="1518">
                 <a:solidFill>
                   <a:schemeClr val="tx1">
                     <a:tint val="75000"/>
@@ -897,9 +902,9 @@
                 </a:solidFill>
               </a:defRPr>
             </a:lvl1pPr>
-            <a:lvl2pPr marL="457200" indent="0">
-              <a:buNone/>
-              <a:defRPr sz="2000">
+            <a:lvl2pPr marL="289225" indent="0">
+              <a:buNone/>
+              <a:defRPr sz="1265">
                 <a:solidFill>
                   <a:schemeClr val="tx1">
                     <a:tint val="75000"/>
@@ -907,9 +912,9 @@
                 </a:solidFill>
               </a:defRPr>
             </a:lvl2pPr>
-            <a:lvl3pPr marL="914400" indent="0">
-              <a:buNone/>
-              <a:defRPr sz="1800">
+            <a:lvl3pPr marL="578449" indent="0">
+              <a:buNone/>
+              <a:defRPr sz="1139">
                 <a:solidFill>
                   <a:schemeClr val="tx1">
                     <a:tint val="75000"/>
@@ -917,9 +922,9 @@
                 </a:solidFill>
               </a:defRPr>
             </a:lvl3pPr>
-            <a:lvl4pPr marL="1371600" indent="0">
-              <a:buNone/>
-              <a:defRPr sz="1600">
+            <a:lvl4pPr marL="867674" indent="0">
+              <a:buNone/>
+              <a:defRPr sz="1012">
                 <a:solidFill>
                   <a:schemeClr val="tx1">
                     <a:tint val="75000"/>
@@ -927,9 +932,9 @@
                 </a:solidFill>
               </a:defRPr>
             </a:lvl4pPr>
-            <a:lvl5pPr marL="1828800" indent="0">
-              <a:buNone/>
-              <a:defRPr sz="1600">
+            <a:lvl5pPr marL="1156899" indent="0">
+              <a:buNone/>
+              <a:defRPr sz="1012">
                 <a:solidFill>
                   <a:schemeClr val="tx1">
                     <a:tint val="75000"/>
@@ -937,9 +942,9 @@
                 </a:solidFill>
               </a:defRPr>
             </a:lvl5pPr>
-            <a:lvl6pPr marL="2286000" indent="0">
-              <a:buNone/>
-              <a:defRPr sz="1600">
+            <a:lvl6pPr marL="1446124" indent="0">
+              <a:buNone/>
+              <a:defRPr sz="1012">
                 <a:solidFill>
                   <a:schemeClr val="tx1">
                     <a:tint val="75000"/>
@@ -947,9 +952,9 @@
                 </a:solidFill>
               </a:defRPr>
             </a:lvl6pPr>
-            <a:lvl7pPr marL="2743200" indent="0">
-              <a:buNone/>
-              <a:defRPr sz="1600">
+            <a:lvl7pPr marL="1735348" indent="0">
+              <a:buNone/>
+              <a:defRPr sz="1012">
                 <a:solidFill>
                   <a:schemeClr val="tx1">
                     <a:tint val="75000"/>
@@ -957,9 +962,9 @@
                 </a:solidFill>
               </a:defRPr>
             </a:lvl7pPr>
-            <a:lvl8pPr marL="3200400" indent="0">
-              <a:buNone/>
-              <a:defRPr sz="1600">
+            <a:lvl8pPr marL="2024573" indent="0">
+              <a:buNone/>
+              <a:defRPr sz="1012">
                 <a:solidFill>
                   <a:schemeClr val="tx1">
                     <a:tint val="75000"/>
@@ -967,9 +972,9 @@
                 </a:solidFill>
               </a:defRPr>
             </a:lvl8pPr>
-            <a:lvl9pPr marL="3657600" indent="0">
-              <a:buNone/>
-              <a:defRPr sz="1600">
+            <a:lvl9pPr marL="2313798" indent="0">
+              <a:buNone/>
+              <a:defRPr sz="1012">
                 <a:solidFill>
                   <a:schemeClr val="tx1">
                     <a:tint val="75000"/>
@@ -989,7 +994,7 @@
       </p:sp>
       <p:sp>
         <p:nvSpPr>
-          <p:cNvPr id="4" name="日期占位符 3"/>
+          <p:cNvPr id="4" name="Date Placeholder 3"/>
           <p:cNvSpPr>
             <a:spLocks noGrp="1"/>
           </p:cNvSpPr>
@@ -1004,7 +1009,7 @@
           <a:p>
             <a:fld id="{4BDBA998-F17B-4516-901B-724C58649EDD}" type="datetimeFigureOut">
               <a:rPr lang="zh-CN" altLang="en-US" smtClean="0"/>
-              <a:t>2021/12/24</a:t>
+              <a:t>2021/12/30</a:t>
             </a:fld>
             <a:endParaRPr lang="zh-CN" altLang="en-US"/>
           </a:p>
@@ -1012,7 +1017,7 @@
       </p:sp>
       <p:sp>
         <p:nvSpPr>
-          <p:cNvPr id="5" name="页脚占位符 4"/>
+          <p:cNvPr id="5" name="Footer Placeholder 4"/>
           <p:cNvSpPr>
             <a:spLocks noGrp="1"/>
           </p:cNvSpPr>
@@ -1031,7 +1036,7 @@
       </p:sp>
       <p:sp>
         <p:nvSpPr>
-          <p:cNvPr id="6" name="灯片编号占位符 5"/>
+          <p:cNvPr id="6" name="Slide Number Placeholder 5"/>
           <p:cNvSpPr>
             <a:spLocks noGrp="1"/>
           </p:cNvSpPr>
@@ -1055,7 +1060,7 @@
     </p:spTree>
     <p:extLst>
       <p:ext uri="{BB962C8B-B14F-4D97-AF65-F5344CB8AC3E}">
-        <p14:creationId xmlns:p14="http://schemas.microsoft.com/office/powerpoint/2010/main" val="3319023991"/>
+        <p14:creationId xmlns:p14="http://schemas.microsoft.com/office/powerpoint/2010/main" val="3110258621"/>
       </p:ext>
     </p:extLst>
   </p:cSld>
@@ -1084,7 +1089,7 @@
       </p:grpSpPr>
       <p:sp>
         <p:nvSpPr>
-          <p:cNvPr id="2" name="标题 1"/>
+          <p:cNvPr id="2" name="Title 1"/>
           <p:cNvSpPr>
             <a:spLocks noGrp="1"/>
           </p:cNvSpPr>
@@ -1101,13 +1106,13 @@
               <a:rPr lang="zh-CN" altLang="en-US" smtClean="0"/>
               <a:t>单击此处编辑母版标题样式</a:t>
             </a:r>
-            <a:endParaRPr lang="zh-CN" altLang="en-US"/>
-          </a:p>
-        </p:txBody>
-      </p:sp>
-      <p:sp>
-        <p:nvSpPr>
-          <p:cNvPr id="3" name="内容占位符 2"/>
+            <a:endParaRPr lang="en-US" dirty="0"/>
+          </a:p>
+        </p:txBody>
+      </p:sp>
+      <p:sp>
+        <p:nvSpPr>
+          <p:cNvPr id="3" name="Content Placeholder 2"/>
           <p:cNvSpPr>
             <a:spLocks noGrp="1"/>
           </p:cNvSpPr>
@@ -1117,8 +1122,8 @@
         </p:nvSpPr>
         <p:spPr>
           <a:xfrm>
-            <a:off x="838200" y="1825625"/>
-            <a:ext cx="5181600" cy="4351338"/>
+            <a:off x="714435" y="1154961"/>
+            <a:ext cx="4416504" cy="2752827"/>
           </a:xfrm>
         </p:spPr>
         <p:txBody>
@@ -1158,13 +1163,13 @@
               <a:rPr lang="zh-CN" altLang="en-US" smtClean="0"/>
               <a:t>第五级</a:t>
             </a:r>
-            <a:endParaRPr lang="zh-CN" altLang="en-US"/>
-          </a:p>
-        </p:txBody>
-      </p:sp>
-      <p:sp>
-        <p:nvSpPr>
-          <p:cNvPr id="4" name="内容占位符 3"/>
+            <a:endParaRPr lang="en-US" dirty="0"/>
+          </a:p>
+        </p:txBody>
+      </p:sp>
+      <p:sp>
+        <p:nvSpPr>
+          <p:cNvPr id="4" name="Content Placeholder 3"/>
           <p:cNvSpPr>
             <a:spLocks noGrp="1"/>
           </p:cNvSpPr>
@@ -1174,8 +1179,8 @@
         </p:nvSpPr>
         <p:spPr>
           <a:xfrm>
-            <a:off x="6172200" y="1825625"/>
-            <a:ext cx="5181600" cy="4351338"/>
+            <a:off x="5260836" y="1154961"/>
+            <a:ext cx="4416504" cy="2752827"/>
           </a:xfrm>
         </p:spPr>
         <p:txBody>
@@ -1215,13 +1220,13 @@
               <a:rPr lang="zh-CN" altLang="en-US" smtClean="0"/>
               <a:t>第五级</a:t>
             </a:r>
-            <a:endParaRPr lang="zh-CN" altLang="en-US"/>
-          </a:p>
-        </p:txBody>
-      </p:sp>
-      <p:sp>
-        <p:nvSpPr>
-          <p:cNvPr id="5" name="日期占位符 4"/>
+            <a:endParaRPr lang="en-US" dirty="0"/>
+          </a:p>
+        </p:txBody>
+      </p:sp>
+      <p:sp>
+        <p:nvSpPr>
+          <p:cNvPr id="5" name="Date Placeholder 4"/>
           <p:cNvSpPr>
             <a:spLocks noGrp="1"/>
           </p:cNvSpPr>
@@ -1236,7 +1241,7 @@
           <a:p>
             <a:fld id="{4BDBA998-F17B-4516-901B-724C58649EDD}" type="datetimeFigureOut">
               <a:rPr lang="zh-CN" altLang="en-US" smtClean="0"/>
-              <a:t>2021/12/24</a:t>
+              <a:t>2021/12/30</a:t>
             </a:fld>
             <a:endParaRPr lang="zh-CN" altLang="en-US"/>
           </a:p>
@@ -1244,7 +1249,7 @@
       </p:sp>
       <p:sp>
         <p:nvSpPr>
-          <p:cNvPr id="6" name="页脚占位符 5"/>
+          <p:cNvPr id="6" name="Footer Placeholder 5"/>
           <p:cNvSpPr>
             <a:spLocks noGrp="1"/>
           </p:cNvSpPr>
@@ -1263,7 +1268,7 @@
       </p:sp>
       <p:sp>
         <p:nvSpPr>
-          <p:cNvPr id="7" name="灯片编号占位符 6"/>
+          <p:cNvPr id="7" name="Slide Number Placeholder 6"/>
           <p:cNvSpPr>
             <a:spLocks noGrp="1"/>
           </p:cNvSpPr>
@@ -1287,7 +1292,7 @@
     </p:spTree>
     <p:extLst>
       <p:ext uri="{BB962C8B-B14F-4D97-AF65-F5344CB8AC3E}">
-        <p14:creationId xmlns:p14="http://schemas.microsoft.com/office/powerpoint/2010/main" val="906781744"/>
+        <p14:creationId xmlns:p14="http://schemas.microsoft.com/office/powerpoint/2010/main" val="2619589434"/>
       </p:ext>
     </p:extLst>
   </p:cSld>
@@ -1316,7 +1321,7 @@
       </p:grpSpPr>
       <p:sp>
         <p:nvSpPr>
-          <p:cNvPr id="2" name="标题 1"/>
+          <p:cNvPr id="2" name="Title 1"/>
           <p:cNvSpPr>
             <a:spLocks noGrp="1"/>
           </p:cNvSpPr>
@@ -1326,8 +1331,8 @@
         </p:nvSpPr>
         <p:spPr>
           <a:xfrm>
-            <a:off x="839788" y="365125"/>
-            <a:ext cx="10515600" cy="1325563"/>
+            <a:off x="715788" y="230994"/>
+            <a:ext cx="8962906" cy="838603"/>
           </a:xfrm>
         </p:spPr>
         <p:txBody>
@@ -1338,13 +1343,13 @@
               <a:rPr lang="zh-CN" altLang="en-US" smtClean="0"/>
               <a:t>单击此处编辑母版标题样式</a:t>
             </a:r>
-            <a:endParaRPr lang="zh-CN" altLang="en-US"/>
-          </a:p>
-        </p:txBody>
-      </p:sp>
-      <p:sp>
-        <p:nvSpPr>
-          <p:cNvPr id="3" name="文本占位符 2"/>
+            <a:endParaRPr lang="en-US" dirty="0"/>
+          </a:p>
+        </p:txBody>
+      </p:sp>
+      <p:sp>
+        <p:nvSpPr>
+          <p:cNvPr id="3" name="Text Placeholder 2"/>
           <p:cNvSpPr>
             <a:spLocks noGrp="1"/>
           </p:cNvSpPr>
@@ -1354,8 +1359,8 @@
         </p:nvSpPr>
         <p:spPr>
           <a:xfrm>
-            <a:off x="839788" y="1681163"/>
-            <a:ext cx="5157787" cy="823912"/>
+            <a:off x="715788" y="1063572"/>
+            <a:ext cx="4396208" cy="521239"/>
           </a:xfrm>
         </p:spPr>
         <p:txBody>
@@ -1363,39 +1368,39 @@
           <a:lstStyle>
             <a:lvl1pPr marL="0" indent="0">
               <a:buNone/>
-              <a:defRPr sz="2400" b="1"/>
+              <a:defRPr sz="1518" b="1"/>
             </a:lvl1pPr>
-            <a:lvl2pPr marL="457200" indent="0">
-              <a:buNone/>
-              <a:defRPr sz="2000" b="1"/>
+            <a:lvl2pPr marL="289225" indent="0">
+              <a:buNone/>
+              <a:defRPr sz="1265" b="1"/>
             </a:lvl2pPr>
-            <a:lvl3pPr marL="914400" indent="0">
-              <a:buNone/>
-              <a:defRPr sz="1800" b="1"/>
+            <a:lvl3pPr marL="578449" indent="0">
+              <a:buNone/>
+              <a:defRPr sz="1139" b="1"/>
             </a:lvl3pPr>
-            <a:lvl4pPr marL="1371600" indent="0">
-              <a:buNone/>
-              <a:defRPr sz="1600" b="1"/>
+            <a:lvl4pPr marL="867674" indent="0">
+              <a:buNone/>
+              <a:defRPr sz="1012" b="1"/>
             </a:lvl4pPr>
-            <a:lvl5pPr marL="1828800" indent="0">
-              <a:buNone/>
-              <a:defRPr sz="1600" b="1"/>
+            <a:lvl5pPr marL="1156899" indent="0">
+              <a:buNone/>
+              <a:defRPr sz="1012" b="1"/>
             </a:lvl5pPr>
-            <a:lvl6pPr marL="2286000" indent="0">
-              <a:buNone/>
-              <a:defRPr sz="1600" b="1"/>
+            <a:lvl6pPr marL="1446124" indent="0">
+              <a:buNone/>
+              <a:defRPr sz="1012" b="1"/>
             </a:lvl6pPr>
-            <a:lvl7pPr marL="2743200" indent="0">
-              <a:buNone/>
-              <a:defRPr sz="1600" b="1"/>
+            <a:lvl7pPr marL="1735348" indent="0">
+              <a:buNone/>
+              <a:defRPr sz="1012" b="1"/>
             </a:lvl7pPr>
-            <a:lvl8pPr marL="3200400" indent="0">
-              <a:buNone/>
-              <a:defRPr sz="1600" b="1"/>
+            <a:lvl8pPr marL="2024573" indent="0">
+              <a:buNone/>
+              <a:defRPr sz="1012" b="1"/>
             </a:lvl8pPr>
-            <a:lvl9pPr marL="3657600" indent="0">
-              <a:buNone/>
-              <a:defRPr sz="1600" b="1"/>
+            <a:lvl9pPr marL="2313798" indent="0">
+              <a:buNone/>
+              <a:defRPr sz="1012" b="1"/>
             </a:lvl9pPr>
           </a:lstStyle>
           <a:p>
@@ -1409,7 +1414,7 @@
       </p:sp>
       <p:sp>
         <p:nvSpPr>
-          <p:cNvPr id="4" name="内容占位符 3"/>
+          <p:cNvPr id="4" name="Content Placeholder 3"/>
           <p:cNvSpPr>
             <a:spLocks noGrp="1"/>
           </p:cNvSpPr>
@@ -1419,8 +1424,8 @@
         </p:nvSpPr>
         <p:spPr>
           <a:xfrm>
-            <a:off x="839788" y="2505075"/>
-            <a:ext cx="5157787" cy="3684588"/>
+            <a:off x="715788" y="1584808"/>
+            <a:ext cx="4396208" cy="2331014"/>
           </a:xfrm>
         </p:spPr>
         <p:txBody>
@@ -1460,13 +1465,13 @@
               <a:rPr lang="zh-CN" altLang="en-US" smtClean="0"/>
               <a:t>第五级</a:t>
             </a:r>
-            <a:endParaRPr lang="zh-CN" altLang="en-US"/>
-          </a:p>
-        </p:txBody>
-      </p:sp>
-      <p:sp>
-        <p:nvSpPr>
-          <p:cNvPr id="5" name="文本占位符 4"/>
+            <a:endParaRPr lang="en-US" dirty="0"/>
+          </a:p>
+        </p:txBody>
+      </p:sp>
+      <p:sp>
+        <p:nvSpPr>
+          <p:cNvPr id="5" name="Text Placeholder 4"/>
           <p:cNvSpPr>
             <a:spLocks noGrp="1"/>
           </p:cNvSpPr>
@@ -1476,8 +1481,8 @@
         </p:nvSpPr>
         <p:spPr>
           <a:xfrm>
-            <a:off x="6172200" y="1681163"/>
-            <a:ext cx="5183188" cy="823912"/>
+            <a:off x="5260836" y="1063572"/>
+            <a:ext cx="4417858" cy="521239"/>
           </a:xfrm>
         </p:spPr>
         <p:txBody>
@@ -1485,39 +1490,39 @@
           <a:lstStyle>
             <a:lvl1pPr marL="0" indent="0">
               <a:buNone/>
-              <a:defRPr sz="2400" b="1"/>
+              <a:defRPr sz="1518" b="1"/>
             </a:lvl1pPr>
-            <a:lvl2pPr marL="457200" indent="0">
-              <a:buNone/>
-              <a:defRPr sz="2000" b="1"/>
+            <a:lvl2pPr marL="289225" indent="0">
+              <a:buNone/>
+              <a:defRPr sz="1265" b="1"/>
             </a:lvl2pPr>
-            <a:lvl3pPr marL="914400" indent="0">
-              <a:buNone/>
-              <a:defRPr sz="1800" b="1"/>
+            <a:lvl3pPr marL="578449" indent="0">
+              <a:buNone/>
+              <a:defRPr sz="1139" b="1"/>
             </a:lvl3pPr>
-            <a:lvl4pPr marL="1371600" indent="0">
-              <a:buNone/>
-              <a:defRPr sz="1600" b="1"/>
+            <a:lvl4pPr marL="867674" indent="0">
+              <a:buNone/>
+              <a:defRPr sz="1012" b="1"/>
             </a:lvl4pPr>
-            <a:lvl5pPr marL="1828800" indent="0">
-              <a:buNone/>
-              <a:defRPr sz="1600" b="1"/>
+            <a:lvl5pPr marL="1156899" indent="0">
+              <a:buNone/>
+              <a:defRPr sz="1012" b="1"/>
             </a:lvl5pPr>
-            <a:lvl6pPr marL="2286000" indent="0">
-              <a:buNone/>
-              <a:defRPr sz="1600" b="1"/>
+            <a:lvl6pPr marL="1446124" indent="0">
+              <a:buNone/>
+              <a:defRPr sz="1012" b="1"/>
             </a:lvl6pPr>
-            <a:lvl7pPr marL="2743200" indent="0">
-              <a:buNone/>
-              <a:defRPr sz="1600" b="1"/>
+            <a:lvl7pPr marL="1735348" indent="0">
+              <a:buNone/>
+              <a:defRPr sz="1012" b="1"/>
             </a:lvl7pPr>
-            <a:lvl8pPr marL="3200400" indent="0">
-              <a:buNone/>
-              <a:defRPr sz="1600" b="1"/>
+            <a:lvl8pPr marL="2024573" indent="0">
+              <a:buNone/>
+              <a:defRPr sz="1012" b="1"/>
             </a:lvl8pPr>
-            <a:lvl9pPr marL="3657600" indent="0">
-              <a:buNone/>
-              <a:defRPr sz="1600" b="1"/>
+            <a:lvl9pPr marL="2313798" indent="0">
+              <a:buNone/>
+              <a:defRPr sz="1012" b="1"/>
             </a:lvl9pPr>
           </a:lstStyle>
           <a:p>
@@ -1531,7 +1536,7 @@
       </p:sp>
       <p:sp>
         <p:nvSpPr>
-          <p:cNvPr id="6" name="内容占位符 5"/>
+          <p:cNvPr id="6" name="Content Placeholder 5"/>
           <p:cNvSpPr>
             <a:spLocks noGrp="1"/>
           </p:cNvSpPr>
@@ -1541,8 +1546,8 @@
         </p:nvSpPr>
         <p:spPr>
           <a:xfrm>
-            <a:off x="6172200" y="2505075"/>
-            <a:ext cx="5183188" cy="3684588"/>
+            <a:off x="5260836" y="1584808"/>
+            <a:ext cx="4417858" cy="2331014"/>
           </a:xfrm>
         </p:spPr>
         <p:txBody>
@@ -1582,13 +1587,13 @@
               <a:rPr lang="zh-CN" altLang="en-US" smtClean="0"/>
               <a:t>第五级</a:t>
             </a:r>
-            <a:endParaRPr lang="zh-CN" altLang="en-US"/>
-          </a:p>
-        </p:txBody>
-      </p:sp>
-      <p:sp>
-        <p:nvSpPr>
-          <p:cNvPr id="7" name="日期占位符 6"/>
+            <a:endParaRPr lang="en-US" dirty="0"/>
+          </a:p>
+        </p:txBody>
+      </p:sp>
+      <p:sp>
+        <p:nvSpPr>
+          <p:cNvPr id="7" name="Date Placeholder 6"/>
           <p:cNvSpPr>
             <a:spLocks noGrp="1"/>
           </p:cNvSpPr>
@@ -1603,7 +1608,7 @@
           <a:p>
             <a:fld id="{4BDBA998-F17B-4516-901B-724C58649EDD}" type="datetimeFigureOut">
               <a:rPr lang="zh-CN" altLang="en-US" smtClean="0"/>
-              <a:t>2021/12/24</a:t>
+              <a:t>2021/12/30</a:t>
             </a:fld>
             <a:endParaRPr lang="zh-CN" altLang="en-US"/>
           </a:p>
@@ -1611,7 +1616,7 @@
       </p:sp>
       <p:sp>
         <p:nvSpPr>
-          <p:cNvPr id="8" name="页脚占位符 7"/>
+          <p:cNvPr id="8" name="Footer Placeholder 7"/>
           <p:cNvSpPr>
             <a:spLocks noGrp="1"/>
           </p:cNvSpPr>
@@ -1630,7 +1635,7 @@
       </p:sp>
       <p:sp>
         <p:nvSpPr>
-          <p:cNvPr id="9" name="灯片编号占位符 8"/>
+          <p:cNvPr id="9" name="Slide Number Placeholder 8"/>
           <p:cNvSpPr>
             <a:spLocks noGrp="1"/>
           </p:cNvSpPr>
@@ -1654,7 +1659,7 @@
     </p:spTree>
     <p:extLst>
       <p:ext uri="{BB962C8B-B14F-4D97-AF65-F5344CB8AC3E}">
-        <p14:creationId xmlns:p14="http://schemas.microsoft.com/office/powerpoint/2010/main" val="1940796013"/>
+        <p14:creationId xmlns:p14="http://schemas.microsoft.com/office/powerpoint/2010/main" val="2415639039"/>
       </p:ext>
     </p:extLst>
   </p:cSld>
@@ -1683,7 +1688,7 @@
       </p:grpSpPr>
       <p:sp>
         <p:nvSpPr>
-          <p:cNvPr id="2" name="标题 1"/>
+          <p:cNvPr id="2" name="Title 1"/>
           <p:cNvSpPr>
             <a:spLocks noGrp="1"/>
           </p:cNvSpPr>
@@ -1700,13 +1705,13 @@
               <a:rPr lang="zh-CN" altLang="en-US" smtClean="0"/>
               <a:t>单击此处编辑母版标题样式</a:t>
             </a:r>
-            <a:endParaRPr lang="zh-CN" altLang="en-US"/>
-          </a:p>
-        </p:txBody>
-      </p:sp>
-      <p:sp>
-        <p:nvSpPr>
-          <p:cNvPr id="3" name="日期占位符 2"/>
+            <a:endParaRPr lang="en-US" dirty="0"/>
+          </a:p>
+        </p:txBody>
+      </p:sp>
+      <p:sp>
+        <p:nvSpPr>
+          <p:cNvPr id="3" name="Date Placeholder 2"/>
           <p:cNvSpPr>
             <a:spLocks noGrp="1"/>
           </p:cNvSpPr>
@@ -1721,7 +1726,7 @@
           <a:p>
             <a:fld id="{4BDBA998-F17B-4516-901B-724C58649EDD}" type="datetimeFigureOut">
               <a:rPr lang="zh-CN" altLang="en-US" smtClean="0"/>
-              <a:t>2021/12/24</a:t>
+              <a:t>2021/12/30</a:t>
             </a:fld>
             <a:endParaRPr lang="zh-CN" altLang="en-US"/>
           </a:p>
@@ -1729,7 +1734,7 @@
       </p:sp>
       <p:sp>
         <p:nvSpPr>
-          <p:cNvPr id="4" name="页脚占位符 3"/>
+          <p:cNvPr id="4" name="Footer Placeholder 3"/>
           <p:cNvSpPr>
             <a:spLocks noGrp="1"/>
           </p:cNvSpPr>
@@ -1748,7 +1753,7 @@
       </p:sp>
       <p:sp>
         <p:nvSpPr>
-          <p:cNvPr id="5" name="灯片编号占位符 4"/>
+          <p:cNvPr id="5" name="Slide Number Placeholder 4"/>
           <p:cNvSpPr>
             <a:spLocks noGrp="1"/>
           </p:cNvSpPr>
@@ -1772,7 +1777,7 @@
     </p:spTree>
     <p:extLst>
       <p:ext uri="{BB962C8B-B14F-4D97-AF65-F5344CB8AC3E}">
-        <p14:creationId xmlns:p14="http://schemas.microsoft.com/office/powerpoint/2010/main" val="1023712928"/>
+        <p14:creationId xmlns:p14="http://schemas.microsoft.com/office/powerpoint/2010/main" val="1901789190"/>
       </p:ext>
     </p:extLst>
   </p:cSld>
@@ -1801,7 +1806,7 @@
       </p:grpSpPr>
       <p:sp>
         <p:nvSpPr>
-          <p:cNvPr id="2" name="日期占位符 1"/>
+          <p:cNvPr id="2" name="Date Placeholder 1"/>
           <p:cNvSpPr>
             <a:spLocks noGrp="1"/>
           </p:cNvSpPr>
@@ -1816,7 +1821,7 @@
           <a:p>
             <a:fld id="{4BDBA998-F17B-4516-901B-724C58649EDD}" type="datetimeFigureOut">
               <a:rPr lang="zh-CN" altLang="en-US" smtClean="0"/>
-              <a:t>2021/12/24</a:t>
+              <a:t>2021/12/30</a:t>
             </a:fld>
             <a:endParaRPr lang="zh-CN" altLang="en-US"/>
           </a:p>
@@ -1824,7 +1829,7 @@
       </p:sp>
       <p:sp>
         <p:nvSpPr>
-          <p:cNvPr id="3" name="页脚占位符 2"/>
+          <p:cNvPr id="3" name="Footer Placeholder 2"/>
           <p:cNvSpPr>
             <a:spLocks noGrp="1"/>
           </p:cNvSpPr>
@@ -1843,7 +1848,7 @@
       </p:sp>
       <p:sp>
         <p:nvSpPr>
-          <p:cNvPr id="4" name="灯片编号占位符 3"/>
+          <p:cNvPr id="4" name="Slide Number Placeholder 3"/>
           <p:cNvSpPr>
             <a:spLocks noGrp="1"/>
           </p:cNvSpPr>
@@ -1867,7 +1872,7 @@
     </p:spTree>
     <p:extLst>
       <p:ext uri="{BB962C8B-B14F-4D97-AF65-F5344CB8AC3E}">
-        <p14:creationId xmlns:p14="http://schemas.microsoft.com/office/powerpoint/2010/main" val="749512084"/>
+        <p14:creationId xmlns:p14="http://schemas.microsoft.com/office/powerpoint/2010/main" val="1757294071"/>
       </p:ext>
     </p:extLst>
   </p:cSld>
@@ -1896,7 +1901,7 @@
       </p:grpSpPr>
       <p:sp>
         <p:nvSpPr>
-          <p:cNvPr id="2" name="标题 1"/>
+          <p:cNvPr id="2" name="Title 1"/>
           <p:cNvSpPr>
             <a:spLocks noGrp="1"/>
           </p:cNvSpPr>
@@ -1906,15 +1911,15 @@
         </p:nvSpPr>
         <p:spPr>
           <a:xfrm>
-            <a:off x="839788" y="457200"/>
-            <a:ext cx="3932237" cy="1600200"/>
+            <a:off x="715788" y="289245"/>
+            <a:ext cx="3351618" cy="1012349"/>
           </a:xfrm>
         </p:spPr>
         <p:txBody>
           <a:bodyPr anchor="b"/>
           <a:lstStyle>
             <a:lvl1pPr>
-              <a:defRPr sz="3200"/>
+              <a:defRPr sz="2024"/>
             </a:lvl1pPr>
           </a:lstStyle>
           <a:p>
@@ -1922,13 +1927,13 @@
               <a:rPr lang="zh-CN" altLang="en-US" smtClean="0"/>
               <a:t>单击此处编辑母版标题样式</a:t>
             </a:r>
-            <a:endParaRPr lang="zh-CN" altLang="en-US"/>
-          </a:p>
-        </p:txBody>
-      </p:sp>
-      <p:sp>
-        <p:nvSpPr>
-          <p:cNvPr id="3" name="内容占位符 2"/>
+            <a:endParaRPr lang="en-US" dirty="0"/>
+          </a:p>
+        </p:txBody>
+      </p:sp>
+      <p:sp>
+        <p:nvSpPr>
+          <p:cNvPr id="3" name="Content Placeholder 2"/>
           <p:cNvSpPr>
             <a:spLocks noGrp="1"/>
           </p:cNvSpPr>
@@ -1938,39 +1943,39 @@
         </p:nvSpPr>
         <p:spPr>
           <a:xfrm>
-            <a:off x="5183188" y="987425"/>
-            <a:ext cx="6172200" cy="4873625"/>
+            <a:off x="4417859" y="624687"/>
+            <a:ext cx="5260836" cy="3083245"/>
           </a:xfrm>
         </p:spPr>
         <p:txBody>
           <a:bodyPr/>
           <a:lstStyle>
             <a:lvl1pPr>
-              <a:defRPr sz="3200"/>
+              <a:defRPr sz="2024"/>
             </a:lvl1pPr>
             <a:lvl2pPr>
-              <a:defRPr sz="2800"/>
+              <a:defRPr sz="1771"/>
             </a:lvl2pPr>
             <a:lvl3pPr>
-              <a:defRPr sz="2400"/>
+              <a:defRPr sz="1518"/>
             </a:lvl3pPr>
             <a:lvl4pPr>
-              <a:defRPr sz="2000"/>
+              <a:defRPr sz="1265"/>
             </a:lvl4pPr>
             <a:lvl5pPr>
-              <a:defRPr sz="2000"/>
+              <a:defRPr sz="1265"/>
             </a:lvl5pPr>
             <a:lvl6pPr>
-              <a:defRPr sz="2000"/>
+              <a:defRPr sz="1265"/>
             </a:lvl6pPr>
             <a:lvl7pPr>
-              <a:defRPr sz="2000"/>
+              <a:defRPr sz="1265"/>
             </a:lvl7pPr>
             <a:lvl8pPr>
-              <a:defRPr sz="2000"/>
+              <a:defRPr sz="1265"/>
             </a:lvl8pPr>
             <a:lvl9pPr>
-              <a:defRPr sz="2000"/>
+              <a:defRPr sz="1265"/>
             </a:lvl9pPr>
           </a:lstStyle>
           <a:p>
@@ -2007,13 +2012,13 @@
               <a:rPr lang="zh-CN" altLang="en-US" smtClean="0"/>
               <a:t>第五级</a:t>
             </a:r>
-            <a:endParaRPr lang="zh-CN" altLang="en-US"/>
-          </a:p>
-        </p:txBody>
-      </p:sp>
-      <p:sp>
-        <p:nvSpPr>
-          <p:cNvPr id="4" name="文本占位符 3"/>
+            <a:endParaRPr lang="en-US" dirty="0"/>
+          </a:p>
+        </p:txBody>
+      </p:sp>
+      <p:sp>
+        <p:nvSpPr>
+          <p:cNvPr id="4" name="Text Placeholder 3"/>
           <p:cNvSpPr>
             <a:spLocks noGrp="1"/>
           </p:cNvSpPr>
@@ -2023,8 +2028,8 @@
         </p:nvSpPr>
         <p:spPr>
           <a:xfrm>
-            <a:off x="839788" y="2057400"/>
-            <a:ext cx="3932237" cy="3811588"/>
+            <a:off x="715788" y="1301594"/>
+            <a:ext cx="3351618" cy="2411359"/>
           </a:xfrm>
         </p:spPr>
         <p:txBody>
@@ -2032,39 +2037,39 @@
           <a:lstStyle>
             <a:lvl1pPr marL="0" indent="0">
               <a:buNone/>
-              <a:defRPr sz="1600"/>
+              <a:defRPr sz="1012"/>
             </a:lvl1pPr>
-            <a:lvl2pPr marL="457200" indent="0">
-              <a:buNone/>
-              <a:defRPr sz="1400"/>
+            <a:lvl2pPr marL="289225" indent="0">
+              <a:buNone/>
+              <a:defRPr sz="886"/>
             </a:lvl2pPr>
-            <a:lvl3pPr marL="914400" indent="0">
-              <a:buNone/>
-              <a:defRPr sz="1200"/>
+            <a:lvl3pPr marL="578449" indent="0">
+              <a:buNone/>
+              <a:defRPr sz="759"/>
             </a:lvl3pPr>
-            <a:lvl4pPr marL="1371600" indent="0">
-              <a:buNone/>
-              <a:defRPr sz="1000"/>
+            <a:lvl4pPr marL="867674" indent="0">
+              <a:buNone/>
+              <a:defRPr sz="633"/>
             </a:lvl4pPr>
-            <a:lvl5pPr marL="1828800" indent="0">
-              <a:buNone/>
-              <a:defRPr sz="1000"/>
+            <a:lvl5pPr marL="1156899" indent="0">
+              <a:buNone/>
+              <a:defRPr sz="633"/>
             </a:lvl5pPr>
-            <a:lvl6pPr marL="2286000" indent="0">
-              <a:buNone/>
-              <a:defRPr sz="1000"/>
+            <a:lvl6pPr marL="1446124" indent="0">
+              <a:buNone/>
+              <a:defRPr sz="633"/>
             </a:lvl6pPr>
-            <a:lvl7pPr marL="2743200" indent="0">
-              <a:buNone/>
-              <a:defRPr sz="1000"/>
+            <a:lvl7pPr marL="1735348" indent="0">
+              <a:buNone/>
+              <a:defRPr sz="633"/>
             </a:lvl7pPr>
-            <a:lvl8pPr marL="3200400" indent="0">
-              <a:buNone/>
-              <a:defRPr sz="1000"/>
+            <a:lvl8pPr marL="2024573" indent="0">
+              <a:buNone/>
+              <a:defRPr sz="633"/>
             </a:lvl8pPr>
-            <a:lvl9pPr marL="3657600" indent="0">
-              <a:buNone/>
-              <a:defRPr sz="1000"/>
+            <a:lvl9pPr marL="2313798" indent="0">
+              <a:buNone/>
+              <a:defRPr sz="633"/>
             </a:lvl9pPr>
           </a:lstStyle>
           <a:p>
@@ -2078,7 +2083,7 @@
       </p:sp>
       <p:sp>
         <p:nvSpPr>
-          <p:cNvPr id="5" name="日期占位符 4"/>
+          <p:cNvPr id="5" name="Date Placeholder 4"/>
           <p:cNvSpPr>
             <a:spLocks noGrp="1"/>
           </p:cNvSpPr>
@@ -2093,7 +2098,7 @@
           <a:p>
             <a:fld id="{4BDBA998-F17B-4516-901B-724C58649EDD}" type="datetimeFigureOut">
               <a:rPr lang="zh-CN" altLang="en-US" smtClean="0"/>
-              <a:t>2021/12/24</a:t>
+              <a:t>2021/12/30</a:t>
             </a:fld>
             <a:endParaRPr lang="zh-CN" altLang="en-US"/>
           </a:p>
@@ -2101,7 +2106,7 @@
       </p:sp>
       <p:sp>
         <p:nvSpPr>
-          <p:cNvPr id="6" name="页脚占位符 5"/>
+          <p:cNvPr id="6" name="Footer Placeholder 5"/>
           <p:cNvSpPr>
             <a:spLocks noGrp="1"/>
           </p:cNvSpPr>
@@ -2120,7 +2125,7 @@
       </p:sp>
       <p:sp>
         <p:nvSpPr>
-          <p:cNvPr id="7" name="灯片编号占位符 6"/>
+          <p:cNvPr id="7" name="Slide Number Placeholder 6"/>
           <p:cNvSpPr>
             <a:spLocks noGrp="1"/>
           </p:cNvSpPr>
@@ -2144,7 +2149,7 @@
     </p:spTree>
     <p:extLst>
       <p:ext uri="{BB962C8B-B14F-4D97-AF65-F5344CB8AC3E}">
-        <p14:creationId xmlns:p14="http://schemas.microsoft.com/office/powerpoint/2010/main" val="3653492756"/>
+        <p14:creationId xmlns:p14="http://schemas.microsoft.com/office/powerpoint/2010/main" val="3967938827"/>
       </p:ext>
     </p:extLst>
   </p:cSld>
@@ -2173,7 +2178,7 @@
       </p:grpSpPr>
       <p:sp>
         <p:nvSpPr>
-          <p:cNvPr id="2" name="标题 1"/>
+          <p:cNvPr id="2" name="Title 1"/>
           <p:cNvSpPr>
             <a:spLocks noGrp="1"/>
           </p:cNvSpPr>
@@ -2183,15 +2188,15 @@
         </p:nvSpPr>
         <p:spPr>
           <a:xfrm>
-            <a:off x="839788" y="457200"/>
-            <a:ext cx="3932237" cy="1600200"/>
+            <a:off x="715788" y="289245"/>
+            <a:ext cx="3351618" cy="1012349"/>
           </a:xfrm>
         </p:spPr>
         <p:txBody>
           <a:bodyPr anchor="b"/>
           <a:lstStyle>
             <a:lvl1pPr>
-              <a:defRPr sz="3200"/>
+              <a:defRPr sz="2024"/>
             </a:lvl1pPr>
           </a:lstStyle>
           <a:p>
@@ -2199,15 +2204,15 @@
               <a:rPr lang="zh-CN" altLang="en-US" smtClean="0"/>
               <a:t>单击此处编辑母版标题样式</a:t>
             </a:r>
-            <a:endParaRPr lang="zh-CN" altLang="en-US"/>
-          </a:p>
-        </p:txBody>
-      </p:sp>
-      <p:sp>
-        <p:nvSpPr>
-          <p:cNvPr id="3" name="图片占位符 2"/>
-          <p:cNvSpPr>
-            <a:spLocks noGrp="1"/>
+            <a:endParaRPr lang="en-US" dirty="0"/>
+          </a:p>
+        </p:txBody>
+      </p:sp>
+      <p:sp>
+        <p:nvSpPr>
+          <p:cNvPr id="3" name="Picture Placeholder 2"/>
+          <p:cNvSpPr>
+            <a:spLocks noGrp="1" noChangeAspect="1"/>
           </p:cNvSpPr>
           <p:nvPr>
             <p:ph type="pic" idx="1"/>
@@ -2215,8 +2220,73 @@
         </p:nvSpPr>
         <p:spPr>
           <a:xfrm>
-            <a:off x="5183188" y="987425"/>
-            <a:ext cx="6172200" cy="4873625"/>
+            <a:off x="4417859" y="624687"/>
+            <a:ext cx="5260836" cy="3083245"/>
+          </a:xfrm>
+        </p:spPr>
+        <p:txBody>
+          <a:bodyPr anchor="t"/>
+          <a:lstStyle>
+            <a:lvl1pPr marL="0" indent="0">
+              <a:buNone/>
+              <a:defRPr sz="2024"/>
+            </a:lvl1pPr>
+            <a:lvl2pPr marL="289225" indent="0">
+              <a:buNone/>
+              <a:defRPr sz="1771"/>
+            </a:lvl2pPr>
+            <a:lvl3pPr marL="578449" indent="0">
+              <a:buNone/>
+              <a:defRPr sz="1518"/>
+            </a:lvl3pPr>
+            <a:lvl4pPr marL="867674" indent="0">
+              <a:buNone/>
+              <a:defRPr sz="1265"/>
+            </a:lvl4pPr>
+            <a:lvl5pPr marL="1156899" indent="0">
+              <a:buNone/>
+              <a:defRPr sz="1265"/>
+            </a:lvl5pPr>
+            <a:lvl6pPr marL="1446124" indent="0">
+              <a:buNone/>
+              <a:defRPr sz="1265"/>
+            </a:lvl6pPr>
+            <a:lvl7pPr marL="1735348" indent="0">
+              <a:buNone/>
+              <a:defRPr sz="1265"/>
+            </a:lvl7pPr>
+            <a:lvl8pPr marL="2024573" indent="0">
+              <a:buNone/>
+              <a:defRPr sz="1265"/>
+            </a:lvl8pPr>
+            <a:lvl9pPr marL="2313798" indent="0">
+              <a:buNone/>
+              <a:defRPr sz="1265"/>
+            </a:lvl9pPr>
+          </a:lstStyle>
+          <a:p>
+            <a:r>
+              <a:rPr lang="zh-CN" altLang="en-US" smtClean="0"/>
+              <a:t>单击图标添加图片</a:t>
+            </a:r>
+            <a:endParaRPr lang="en-US" dirty="0"/>
+          </a:p>
+        </p:txBody>
+      </p:sp>
+      <p:sp>
+        <p:nvSpPr>
+          <p:cNvPr id="4" name="Text Placeholder 3"/>
+          <p:cNvSpPr>
+            <a:spLocks noGrp="1"/>
+          </p:cNvSpPr>
+          <p:nvPr>
+            <p:ph type="body" sz="half" idx="2"/>
+          </p:nvPr>
+        </p:nvSpPr>
+        <p:spPr>
+          <a:xfrm>
+            <a:off x="715788" y="1301594"/>
+            <a:ext cx="3351618" cy="2411359"/>
           </a:xfrm>
         </p:spPr>
         <p:txBody>
@@ -2224,103 +2294,42 @@
           <a:lstStyle>
             <a:lvl1pPr marL="0" indent="0">
               <a:buNone/>
-              <a:defRPr sz="3200"/>
+              <a:defRPr sz="1012"/>
             </a:lvl1pPr>
-            <a:lvl2pPr marL="457200" indent="0">
-              <a:buNone/>
-              <a:defRPr sz="2800"/>
+            <a:lvl2pPr marL="289225" indent="0">
+              <a:buNone/>
+              <a:defRPr sz="886"/>
             </a:lvl2pPr>
-            <a:lvl3pPr marL="914400" indent="0">
-              <a:buNone/>
-              <a:defRPr sz="2400"/>
+            <a:lvl3pPr marL="578449" indent="0">
+              <a:buNone/>
+              <a:defRPr sz="759"/>
             </a:lvl3pPr>
-            <a:lvl4pPr marL="1371600" indent="0">
-              <a:buNone/>
-              <a:defRPr sz="2000"/>
+            <a:lvl4pPr marL="867674" indent="0">
+              <a:buNone/>
+              <a:defRPr sz="633"/>
             </a:lvl4pPr>
-            <a:lvl5pPr marL="1828800" indent="0">
-              <a:buNone/>
-              <a:defRPr sz="2000"/>
+            <a:lvl5pPr marL="1156899" indent="0">
+              <a:buNone/>
+              <a:defRPr sz="633"/>
             </a:lvl5pPr>
-            <a:lvl6pPr marL="2286000" indent="0">
-              <a:buNone/>
-              <a:defRPr sz="2000"/>
+            <a:lvl6pPr marL="1446124" indent="0">
+              <a:buNone/>
+              <a:defRPr sz="633"/>
             </a:lvl6pPr>
-            <a:lvl7pPr marL="2743200" indent="0">
-              <a:buNone/>
-              <a:defRPr sz="2000"/>
+            <a:lvl7pPr marL="1735348" indent="0">
+              <a:buNone/>
+              <a:defRPr sz="633"/>
             </a:lvl7pPr>
-            <a:lvl8pPr marL="3200400" indent="0">
-              <a:buNone/>
-              <a:defRPr sz="2000"/>
+            <a:lvl8pPr marL="2024573" indent="0">
+              <a:buNone/>
+              <a:defRPr sz="633"/>
             </a:lvl8pPr>
-            <a:lvl9pPr marL="3657600" indent="0">
-              <a:buNone/>
-              <a:defRPr sz="2000"/>
+            <a:lvl9pPr marL="2313798" indent="0">
+              <a:buNone/>
+              <a:defRPr sz="633"/>
             </a:lvl9pPr>
           </a:lstStyle>
           <a:p>
-            <a:endParaRPr lang="zh-CN" altLang="en-US"/>
-          </a:p>
-        </p:txBody>
-      </p:sp>
-      <p:sp>
-        <p:nvSpPr>
-          <p:cNvPr id="4" name="文本占位符 3"/>
-          <p:cNvSpPr>
-            <a:spLocks noGrp="1"/>
-          </p:cNvSpPr>
-          <p:nvPr>
-            <p:ph type="body" sz="half" idx="2"/>
-          </p:nvPr>
-        </p:nvSpPr>
-        <p:spPr>
-          <a:xfrm>
-            <a:off x="839788" y="2057400"/>
-            <a:ext cx="3932237" cy="3811588"/>
-          </a:xfrm>
-        </p:spPr>
-        <p:txBody>
-          <a:bodyPr/>
-          <a:lstStyle>
-            <a:lvl1pPr marL="0" indent="0">
-              <a:buNone/>
-              <a:defRPr sz="1600"/>
-            </a:lvl1pPr>
-            <a:lvl2pPr marL="457200" indent="0">
-              <a:buNone/>
-              <a:defRPr sz="1400"/>
-            </a:lvl2pPr>
-            <a:lvl3pPr marL="914400" indent="0">
-              <a:buNone/>
-              <a:defRPr sz="1200"/>
-            </a:lvl3pPr>
-            <a:lvl4pPr marL="1371600" indent="0">
-              <a:buNone/>
-              <a:defRPr sz="1000"/>
-            </a:lvl4pPr>
-            <a:lvl5pPr marL="1828800" indent="0">
-              <a:buNone/>
-              <a:defRPr sz="1000"/>
-            </a:lvl5pPr>
-            <a:lvl6pPr marL="2286000" indent="0">
-              <a:buNone/>
-              <a:defRPr sz="1000"/>
-            </a:lvl6pPr>
-            <a:lvl7pPr marL="2743200" indent="0">
-              <a:buNone/>
-              <a:defRPr sz="1000"/>
-            </a:lvl7pPr>
-            <a:lvl8pPr marL="3200400" indent="0">
-              <a:buNone/>
-              <a:defRPr sz="1000"/>
-            </a:lvl8pPr>
-            <a:lvl9pPr marL="3657600" indent="0">
-              <a:buNone/>
-              <a:defRPr sz="1000"/>
-            </a:lvl9pPr>
-          </a:lstStyle>
-          <a:p>
             <a:pPr lvl="0"/>
             <a:r>
               <a:rPr lang="zh-CN" altLang="en-US" smtClean="0"/>
@@ -2331,7 +2340,7 @@
       </p:sp>
       <p:sp>
         <p:nvSpPr>
-          <p:cNvPr id="5" name="日期占位符 4"/>
+          <p:cNvPr id="5" name="Date Placeholder 4"/>
           <p:cNvSpPr>
             <a:spLocks noGrp="1"/>
           </p:cNvSpPr>
@@ -2346,7 +2355,7 @@
           <a:p>
             <a:fld id="{4BDBA998-F17B-4516-901B-724C58649EDD}" type="datetimeFigureOut">
               <a:rPr lang="zh-CN" altLang="en-US" smtClean="0"/>
-              <a:t>2021/12/24</a:t>
+              <a:t>2021/12/30</a:t>
             </a:fld>
             <a:endParaRPr lang="zh-CN" altLang="en-US"/>
           </a:p>
@@ -2354,7 +2363,7 @@
       </p:sp>
       <p:sp>
         <p:nvSpPr>
-          <p:cNvPr id="6" name="页脚占位符 5"/>
+          <p:cNvPr id="6" name="Footer Placeholder 5"/>
           <p:cNvSpPr>
             <a:spLocks noGrp="1"/>
           </p:cNvSpPr>
@@ -2373,7 +2382,7 @@
       </p:sp>
       <p:sp>
         <p:nvSpPr>
-          <p:cNvPr id="7" name="灯片编号占位符 6"/>
+          <p:cNvPr id="7" name="Slide Number Placeholder 6"/>
           <p:cNvSpPr>
             <a:spLocks noGrp="1"/>
           </p:cNvSpPr>
@@ -2397,7 +2406,7 @@
     </p:spTree>
     <p:extLst>
       <p:ext uri="{BB962C8B-B14F-4D97-AF65-F5344CB8AC3E}">
-        <p14:creationId xmlns:p14="http://schemas.microsoft.com/office/powerpoint/2010/main" val="1458696623"/>
+        <p14:creationId xmlns:p14="http://schemas.microsoft.com/office/powerpoint/2010/main" val="1495710892"/>
       </p:ext>
     </p:extLst>
   </p:cSld>
@@ -2431,7 +2440,7 @@
       </p:grpSpPr>
       <p:sp>
         <p:nvSpPr>
-          <p:cNvPr id="2" name="标题占位符 1"/>
+          <p:cNvPr id="2" name="Title Placeholder 1"/>
           <p:cNvSpPr>
             <a:spLocks noGrp="1"/>
           </p:cNvSpPr>
@@ -2441,8 +2450,8 @@
         </p:nvSpPr>
         <p:spPr>
           <a:xfrm>
-            <a:off x="838200" y="365125"/>
-            <a:ext cx="10515600" cy="1325563"/>
+            <a:off x="714436" y="230994"/>
+            <a:ext cx="8962906" cy="838603"/>
           </a:xfrm>
           <a:prstGeom prst="rect">
             <a:avLst/>
@@ -2458,13 +2467,13 @@
               <a:rPr lang="zh-CN" altLang="en-US" smtClean="0"/>
               <a:t>单击此处编辑母版标题样式</a:t>
             </a:r>
-            <a:endParaRPr lang="zh-CN" altLang="en-US"/>
-          </a:p>
-        </p:txBody>
-      </p:sp>
-      <p:sp>
-        <p:nvSpPr>
-          <p:cNvPr id="3" name="文本占位符 2"/>
+            <a:endParaRPr lang="en-US" dirty="0"/>
+          </a:p>
+        </p:txBody>
+      </p:sp>
+      <p:sp>
+        <p:nvSpPr>
+          <p:cNvPr id="3" name="Text Placeholder 2"/>
           <p:cNvSpPr>
             <a:spLocks noGrp="1"/>
           </p:cNvSpPr>
@@ -2474,8 +2483,8 @@
         </p:nvSpPr>
         <p:spPr>
           <a:xfrm>
-            <a:off x="838200" y="1825625"/>
-            <a:ext cx="10515600" cy="4351338"/>
+            <a:off x="714436" y="1154961"/>
+            <a:ext cx="8962906" cy="2752827"/>
           </a:xfrm>
           <a:prstGeom prst="rect">
             <a:avLst/>
@@ -2520,13 +2529,13 @@
               <a:rPr lang="zh-CN" altLang="en-US" smtClean="0"/>
               <a:t>第五级</a:t>
             </a:r>
-            <a:endParaRPr lang="zh-CN" altLang="en-US"/>
-          </a:p>
-        </p:txBody>
-      </p:sp>
-      <p:sp>
-        <p:nvSpPr>
-          <p:cNvPr id="4" name="日期占位符 3"/>
+            <a:endParaRPr lang="en-US" dirty="0"/>
+          </a:p>
+        </p:txBody>
+      </p:sp>
+      <p:sp>
+        <p:nvSpPr>
+          <p:cNvPr id="4" name="Date Placeholder 3"/>
           <p:cNvSpPr>
             <a:spLocks noGrp="1"/>
           </p:cNvSpPr>
@@ -2536,8 +2545,8 @@
         </p:nvSpPr>
         <p:spPr>
           <a:xfrm>
-            <a:off x="838200" y="6356350"/>
-            <a:ext cx="2743200" cy="365125"/>
+            <a:off x="714436" y="4021275"/>
+            <a:ext cx="2338149" cy="230992"/>
           </a:xfrm>
           <a:prstGeom prst="rect">
             <a:avLst/>
@@ -2547,7 +2556,7 @@
           <a:bodyPr vert="horz" lIns="91440" tIns="45720" rIns="91440" bIns="45720" rtlCol="0" anchor="ctr"/>
           <a:lstStyle>
             <a:lvl1pPr algn="l">
-              <a:defRPr sz="1200">
+              <a:defRPr sz="759">
                 <a:solidFill>
                   <a:schemeClr val="tx1">
                     <a:tint val="75000"/>
@@ -2559,7 +2568,7 @@
           <a:p>
             <a:fld id="{4BDBA998-F17B-4516-901B-724C58649EDD}" type="datetimeFigureOut">
               <a:rPr lang="zh-CN" altLang="en-US" smtClean="0"/>
-              <a:t>2021/12/24</a:t>
+              <a:t>2021/12/30</a:t>
             </a:fld>
             <a:endParaRPr lang="zh-CN" altLang="en-US"/>
           </a:p>
@@ -2567,7 +2576,7 @@
       </p:sp>
       <p:sp>
         <p:nvSpPr>
-          <p:cNvPr id="5" name="页脚占位符 4"/>
+          <p:cNvPr id="5" name="Footer Placeholder 4"/>
           <p:cNvSpPr>
             <a:spLocks noGrp="1"/>
           </p:cNvSpPr>
@@ -2577,8 +2586,8 @@
         </p:nvSpPr>
         <p:spPr>
           <a:xfrm>
-            <a:off x="4038600" y="6356350"/>
-            <a:ext cx="4114800" cy="365125"/>
+            <a:off x="3442277" y="4021275"/>
+            <a:ext cx="3507224" cy="230992"/>
           </a:xfrm>
           <a:prstGeom prst="rect">
             <a:avLst/>
@@ -2588,7 +2597,7 @@
           <a:bodyPr vert="horz" lIns="91440" tIns="45720" rIns="91440" bIns="45720" rtlCol="0" anchor="ctr"/>
           <a:lstStyle>
             <a:lvl1pPr algn="ctr">
-              <a:defRPr sz="1200">
+              <a:defRPr sz="759">
                 <a:solidFill>
                   <a:schemeClr val="tx1">
                     <a:tint val="75000"/>
@@ -2604,7 +2613,7 @@
       </p:sp>
       <p:sp>
         <p:nvSpPr>
-          <p:cNvPr id="6" name="灯片编号占位符 5"/>
+          <p:cNvPr id="6" name="Slide Number Placeholder 5"/>
           <p:cNvSpPr>
             <a:spLocks noGrp="1"/>
           </p:cNvSpPr>
@@ -2614,8 +2623,8 @@
         </p:nvSpPr>
         <p:spPr>
           <a:xfrm>
-            <a:off x="8610600" y="6356350"/>
-            <a:ext cx="2743200" cy="365125"/>
+            <a:off x="7339193" y="4021275"/>
+            <a:ext cx="2338149" cy="230992"/>
           </a:xfrm>
           <a:prstGeom prst="rect">
             <a:avLst/>
@@ -2625,7 +2634,7 @@
           <a:bodyPr vert="horz" lIns="91440" tIns="45720" rIns="91440" bIns="45720" rtlCol="0" anchor="ctr"/>
           <a:lstStyle>
             <a:lvl1pPr algn="r">
-              <a:defRPr sz="1200">
+              <a:defRPr sz="759">
                 <a:solidFill>
                   <a:schemeClr val="tx1">
                     <a:tint val="75000"/>
@@ -2646,27 +2655,27 @@
     </p:spTree>
     <p:extLst>
       <p:ext uri="{BB962C8B-B14F-4D97-AF65-F5344CB8AC3E}">
-        <p14:creationId xmlns:p14="http://schemas.microsoft.com/office/powerpoint/2010/main" val="3126474409"/>
+        <p14:creationId xmlns:p14="http://schemas.microsoft.com/office/powerpoint/2010/main" val="1186768969"/>
       </p:ext>
     </p:extLst>
   </p:cSld>
   <p:clrMap bg1="lt1" tx1="dk1" bg2="lt2" tx2="dk2" accent1="accent1" accent2="accent2" accent3="accent3" accent4="accent4" accent5="accent5" accent6="accent6" hlink="hlink" folHlink="folHlink"/>
   <p:sldLayoutIdLst>
-    <p:sldLayoutId id="2147483649" r:id="rId1"/>
-    <p:sldLayoutId id="2147483650" r:id="rId2"/>
-    <p:sldLayoutId id="2147483651" r:id="rId3"/>
-    <p:sldLayoutId id="2147483652" r:id="rId4"/>
-    <p:sldLayoutId id="2147483653" r:id="rId5"/>
-    <p:sldLayoutId id="2147483654" r:id="rId6"/>
-    <p:sldLayoutId id="2147483655" r:id="rId7"/>
-    <p:sldLayoutId id="2147483656" r:id="rId8"/>
-    <p:sldLayoutId id="2147483657" r:id="rId9"/>
-    <p:sldLayoutId id="2147483658" r:id="rId10"/>
-    <p:sldLayoutId id="2147483659" r:id="rId11"/>
+    <p:sldLayoutId id="2147483685" r:id="rId1"/>
+    <p:sldLayoutId id="2147483686" r:id="rId2"/>
+    <p:sldLayoutId id="2147483687" r:id="rId3"/>
+    <p:sldLayoutId id="2147483688" r:id="rId4"/>
+    <p:sldLayoutId id="2147483689" r:id="rId5"/>
+    <p:sldLayoutId id="2147483690" r:id="rId6"/>
+    <p:sldLayoutId id="2147483691" r:id="rId7"/>
+    <p:sldLayoutId id="2147483692" r:id="rId8"/>
+    <p:sldLayoutId id="2147483693" r:id="rId9"/>
+    <p:sldLayoutId id="2147483694" r:id="rId10"/>
+    <p:sldLayoutId id="2147483695" r:id="rId11"/>
   </p:sldLayoutIdLst>
   <p:txStyles>
     <p:titleStyle>
-      <a:lvl1pPr algn="l" defTabSz="914400" rtl="0" eaLnBrk="1" latinLnBrk="0" hangingPunct="1">
+      <a:lvl1pPr algn="l" defTabSz="578449" rtl="0" eaLnBrk="1" latinLnBrk="0" hangingPunct="1">
         <a:lnSpc>
           <a:spcPct val="90000"/>
         </a:lnSpc>
@@ -2674,7 +2683,7 @@
           <a:spcPct val="0"/>
         </a:spcBef>
         <a:buNone/>
-        <a:defRPr sz="4400" kern="1200">
+        <a:defRPr sz="2783" kern="1200">
           <a:solidFill>
             <a:schemeClr val="tx1"/>
           </a:solidFill>
@@ -2685,16 +2694,16 @@
       </a:lvl1pPr>
     </p:titleStyle>
     <p:bodyStyle>
-      <a:lvl1pPr marL="228600" indent="-228600" algn="l" defTabSz="914400" rtl="0" eaLnBrk="1" latinLnBrk="0" hangingPunct="1">
+      <a:lvl1pPr marL="144612" indent="-144612" algn="l" defTabSz="578449" rtl="0" eaLnBrk="1" latinLnBrk="0" hangingPunct="1">
         <a:lnSpc>
           <a:spcPct val="90000"/>
         </a:lnSpc>
         <a:spcBef>
-          <a:spcPts val="1000"/>
+          <a:spcPts val="633"/>
         </a:spcBef>
         <a:buFont typeface="Arial" panose="020B0604020202020204" pitchFamily="34" charset="0"/>
         <a:buChar char="•"/>
-        <a:defRPr sz="2800" kern="1200">
+        <a:defRPr sz="1771" kern="1200">
           <a:solidFill>
             <a:schemeClr val="tx1"/>
           </a:solidFill>
@@ -2703,16 +2712,16 @@
           <a:cs typeface="+mn-cs"/>
         </a:defRPr>
       </a:lvl1pPr>
-      <a:lvl2pPr marL="685800" indent="-228600" algn="l" defTabSz="914400" rtl="0" eaLnBrk="1" latinLnBrk="0" hangingPunct="1">
+      <a:lvl2pPr marL="433837" indent="-144612" algn="l" defTabSz="578449" rtl="0" eaLnBrk="1" latinLnBrk="0" hangingPunct="1">
         <a:lnSpc>
           <a:spcPct val="90000"/>
         </a:lnSpc>
         <a:spcBef>
-          <a:spcPts val="500"/>
+          <a:spcPts val="316"/>
         </a:spcBef>
         <a:buFont typeface="Arial" panose="020B0604020202020204" pitchFamily="34" charset="0"/>
         <a:buChar char="•"/>
-        <a:defRPr sz="2400" kern="1200">
+        <a:defRPr sz="1518" kern="1200">
           <a:solidFill>
             <a:schemeClr val="tx1"/>
           </a:solidFill>
@@ -2721,16 +2730,16 @@
           <a:cs typeface="+mn-cs"/>
         </a:defRPr>
       </a:lvl2pPr>
-      <a:lvl3pPr marL="1143000" indent="-228600" algn="l" defTabSz="914400" rtl="0" eaLnBrk="1" latinLnBrk="0" hangingPunct="1">
+      <a:lvl3pPr marL="723062" indent="-144612" algn="l" defTabSz="578449" rtl="0" eaLnBrk="1" latinLnBrk="0" hangingPunct="1">
         <a:lnSpc>
           <a:spcPct val="90000"/>
         </a:lnSpc>
         <a:spcBef>
-          <a:spcPts val="500"/>
+          <a:spcPts val="316"/>
         </a:spcBef>
         <a:buFont typeface="Arial" panose="020B0604020202020204" pitchFamily="34" charset="0"/>
         <a:buChar char="•"/>
-        <a:defRPr sz="2000" kern="1200">
+        <a:defRPr sz="1265" kern="1200">
           <a:solidFill>
             <a:schemeClr val="tx1"/>
           </a:solidFill>
@@ -2739,16 +2748,16 @@
           <a:cs typeface="+mn-cs"/>
         </a:defRPr>
       </a:lvl3pPr>
-      <a:lvl4pPr marL="1600200" indent="-228600" algn="l" defTabSz="914400" rtl="0" eaLnBrk="1" latinLnBrk="0" hangingPunct="1">
+      <a:lvl4pPr marL="1012287" indent="-144612" algn="l" defTabSz="578449" rtl="0" eaLnBrk="1" latinLnBrk="0" hangingPunct="1">
         <a:lnSpc>
           <a:spcPct val="90000"/>
         </a:lnSpc>
         <a:spcBef>
-          <a:spcPts val="500"/>
+          <a:spcPts val="316"/>
         </a:spcBef>
         <a:buFont typeface="Arial" panose="020B0604020202020204" pitchFamily="34" charset="0"/>
         <a:buChar char="•"/>
-        <a:defRPr sz="1800" kern="1200">
+        <a:defRPr sz="1139" kern="1200">
           <a:solidFill>
             <a:schemeClr val="tx1"/>
           </a:solidFill>
@@ -2757,16 +2766,16 @@
           <a:cs typeface="+mn-cs"/>
         </a:defRPr>
       </a:lvl4pPr>
-      <a:lvl5pPr marL="2057400" indent="-228600" algn="l" defTabSz="914400" rtl="0" eaLnBrk="1" latinLnBrk="0" hangingPunct="1">
+      <a:lvl5pPr marL="1301511" indent="-144612" algn="l" defTabSz="578449" rtl="0" eaLnBrk="1" latinLnBrk="0" hangingPunct="1">
         <a:lnSpc>
           <a:spcPct val="90000"/>
         </a:lnSpc>
         <a:spcBef>
-          <a:spcPts val="500"/>
+          <a:spcPts val="316"/>
         </a:spcBef>
         <a:buFont typeface="Arial" panose="020B0604020202020204" pitchFamily="34" charset="0"/>
         <a:buChar char="•"/>
-        <a:defRPr sz="1800" kern="1200">
+        <a:defRPr sz="1139" kern="1200">
           <a:solidFill>
             <a:schemeClr val="tx1"/>
           </a:solidFill>
@@ -2775,16 +2784,16 @@
           <a:cs typeface="+mn-cs"/>
         </a:defRPr>
       </a:lvl5pPr>
-      <a:lvl6pPr marL="2514600" indent="-228600" algn="l" defTabSz="914400" rtl="0" eaLnBrk="1" latinLnBrk="0" hangingPunct="1">
+      <a:lvl6pPr marL="1590736" indent="-144612" algn="l" defTabSz="578449" rtl="0" eaLnBrk="1" latinLnBrk="0" hangingPunct="1">
         <a:lnSpc>
           <a:spcPct val="90000"/>
         </a:lnSpc>
         <a:spcBef>
-          <a:spcPts val="500"/>
+          <a:spcPts val="316"/>
         </a:spcBef>
         <a:buFont typeface="Arial" panose="020B0604020202020204" pitchFamily="34" charset="0"/>
         <a:buChar char="•"/>
-        <a:defRPr sz="1800" kern="1200">
+        <a:defRPr sz="1139" kern="1200">
           <a:solidFill>
             <a:schemeClr val="tx1"/>
           </a:solidFill>
@@ -2793,16 +2802,16 @@
           <a:cs typeface="+mn-cs"/>
         </a:defRPr>
       </a:lvl6pPr>
-      <a:lvl7pPr marL="2971800" indent="-228600" algn="l" defTabSz="914400" rtl="0" eaLnBrk="1" latinLnBrk="0" hangingPunct="1">
+      <a:lvl7pPr marL="1879961" indent="-144612" algn="l" defTabSz="578449" rtl="0" eaLnBrk="1" latinLnBrk="0" hangingPunct="1">
         <a:lnSpc>
           <a:spcPct val="90000"/>
         </a:lnSpc>
         <a:spcBef>
-          <a:spcPts val="500"/>
+          <a:spcPts val="316"/>
         </a:spcBef>
         <a:buFont typeface="Arial" panose="020B0604020202020204" pitchFamily="34" charset="0"/>
         <a:buChar char="•"/>
-        <a:defRPr sz="1800" kern="1200">
+        <a:defRPr sz="1139" kern="1200">
           <a:solidFill>
             <a:schemeClr val="tx1"/>
           </a:solidFill>
@@ -2811,16 +2820,16 @@
           <a:cs typeface="+mn-cs"/>
         </a:defRPr>
       </a:lvl7pPr>
-      <a:lvl8pPr marL="3429000" indent="-228600" algn="l" defTabSz="914400" rtl="0" eaLnBrk="1" latinLnBrk="0" hangingPunct="1">
+      <a:lvl8pPr marL="2169185" indent="-144612" algn="l" defTabSz="578449" rtl="0" eaLnBrk="1" latinLnBrk="0" hangingPunct="1">
         <a:lnSpc>
           <a:spcPct val="90000"/>
         </a:lnSpc>
         <a:spcBef>
-          <a:spcPts val="500"/>
+          <a:spcPts val="316"/>
         </a:spcBef>
         <a:buFont typeface="Arial" panose="020B0604020202020204" pitchFamily="34" charset="0"/>
         <a:buChar char="•"/>
-        <a:defRPr sz="1800" kern="1200">
+        <a:defRPr sz="1139" kern="1200">
           <a:solidFill>
             <a:schemeClr val="tx1"/>
           </a:solidFill>
@@ -2829,16 +2838,16 @@
           <a:cs typeface="+mn-cs"/>
         </a:defRPr>
       </a:lvl8pPr>
-      <a:lvl9pPr marL="3886200" indent="-228600" algn="l" defTabSz="914400" rtl="0" eaLnBrk="1" latinLnBrk="0" hangingPunct="1">
+      <a:lvl9pPr marL="2458410" indent="-144612" algn="l" defTabSz="578449" rtl="0" eaLnBrk="1" latinLnBrk="0" hangingPunct="1">
         <a:lnSpc>
           <a:spcPct val="90000"/>
         </a:lnSpc>
         <a:spcBef>
-          <a:spcPts val="500"/>
+          <a:spcPts val="316"/>
         </a:spcBef>
         <a:buFont typeface="Arial" panose="020B0604020202020204" pitchFamily="34" charset="0"/>
         <a:buChar char="•"/>
-        <a:defRPr sz="1800" kern="1200">
+        <a:defRPr sz="1139" kern="1200">
           <a:solidFill>
             <a:schemeClr val="tx1"/>
           </a:solidFill>
@@ -2850,10 +2859,10 @@
     </p:bodyStyle>
     <p:otherStyle>
       <a:defPPr>
-        <a:defRPr lang="zh-CN"/>
+        <a:defRPr lang="en-US"/>
       </a:defPPr>
-      <a:lvl1pPr marL="0" algn="l" defTabSz="914400" rtl="0" eaLnBrk="1" latinLnBrk="0" hangingPunct="1">
-        <a:defRPr sz="1800" kern="1200">
+      <a:lvl1pPr marL="0" algn="l" defTabSz="578449" rtl="0" eaLnBrk="1" latinLnBrk="0" hangingPunct="1">
+        <a:defRPr sz="1139" kern="1200">
           <a:solidFill>
             <a:schemeClr val="tx1"/>
           </a:solidFill>
@@ -2862,8 +2871,8 @@
           <a:cs typeface="+mn-cs"/>
         </a:defRPr>
       </a:lvl1pPr>
-      <a:lvl2pPr marL="457200" algn="l" defTabSz="914400" rtl="0" eaLnBrk="1" latinLnBrk="0" hangingPunct="1">
-        <a:defRPr sz="1800" kern="1200">
+      <a:lvl2pPr marL="289225" algn="l" defTabSz="578449" rtl="0" eaLnBrk="1" latinLnBrk="0" hangingPunct="1">
+        <a:defRPr sz="1139" kern="1200">
           <a:solidFill>
             <a:schemeClr val="tx1"/>
           </a:solidFill>
@@ -2872,8 +2881,8 @@
           <a:cs typeface="+mn-cs"/>
         </a:defRPr>
       </a:lvl2pPr>
-      <a:lvl3pPr marL="914400" algn="l" defTabSz="914400" rtl="0" eaLnBrk="1" latinLnBrk="0" hangingPunct="1">
-        <a:defRPr sz="1800" kern="1200">
+      <a:lvl3pPr marL="578449" algn="l" defTabSz="578449" rtl="0" eaLnBrk="1" latinLnBrk="0" hangingPunct="1">
+        <a:defRPr sz="1139" kern="1200">
           <a:solidFill>
             <a:schemeClr val="tx1"/>
           </a:solidFill>
@@ -2882,8 +2891,8 @@
           <a:cs typeface="+mn-cs"/>
         </a:defRPr>
       </a:lvl3pPr>
-      <a:lvl4pPr marL="1371600" algn="l" defTabSz="914400" rtl="0" eaLnBrk="1" latinLnBrk="0" hangingPunct="1">
-        <a:defRPr sz="1800" kern="1200">
+      <a:lvl4pPr marL="867674" algn="l" defTabSz="578449" rtl="0" eaLnBrk="1" latinLnBrk="0" hangingPunct="1">
+        <a:defRPr sz="1139" kern="1200">
           <a:solidFill>
             <a:schemeClr val="tx1"/>
           </a:solidFill>
@@ -2892,8 +2901,8 @@
           <a:cs typeface="+mn-cs"/>
         </a:defRPr>
       </a:lvl4pPr>
-      <a:lvl5pPr marL="1828800" algn="l" defTabSz="914400" rtl="0" eaLnBrk="1" latinLnBrk="0" hangingPunct="1">
-        <a:defRPr sz="1800" kern="1200">
+      <a:lvl5pPr marL="1156899" algn="l" defTabSz="578449" rtl="0" eaLnBrk="1" latinLnBrk="0" hangingPunct="1">
+        <a:defRPr sz="1139" kern="1200">
           <a:solidFill>
             <a:schemeClr val="tx1"/>
           </a:solidFill>
@@ -2902,8 +2911,8 @@
           <a:cs typeface="+mn-cs"/>
         </a:defRPr>
       </a:lvl5pPr>
-      <a:lvl6pPr marL="2286000" algn="l" defTabSz="914400" rtl="0" eaLnBrk="1" latinLnBrk="0" hangingPunct="1">
-        <a:defRPr sz="1800" kern="1200">
+      <a:lvl6pPr marL="1446124" algn="l" defTabSz="578449" rtl="0" eaLnBrk="1" latinLnBrk="0" hangingPunct="1">
+        <a:defRPr sz="1139" kern="1200">
           <a:solidFill>
             <a:schemeClr val="tx1"/>
           </a:solidFill>
@@ -2912,8 +2921,8 @@
           <a:cs typeface="+mn-cs"/>
         </a:defRPr>
       </a:lvl6pPr>
-      <a:lvl7pPr marL="2743200" algn="l" defTabSz="914400" rtl="0" eaLnBrk="1" latinLnBrk="0" hangingPunct="1">
-        <a:defRPr sz="1800" kern="1200">
+      <a:lvl7pPr marL="1735348" algn="l" defTabSz="578449" rtl="0" eaLnBrk="1" latinLnBrk="0" hangingPunct="1">
+        <a:defRPr sz="1139" kern="1200">
           <a:solidFill>
             <a:schemeClr val="tx1"/>
           </a:solidFill>
@@ -2922,8 +2931,8 @@
           <a:cs typeface="+mn-cs"/>
         </a:defRPr>
       </a:lvl7pPr>
-      <a:lvl8pPr marL="3200400" algn="l" defTabSz="914400" rtl="0" eaLnBrk="1" latinLnBrk="0" hangingPunct="1">
-        <a:defRPr sz="1800" kern="1200">
+      <a:lvl8pPr marL="2024573" algn="l" defTabSz="578449" rtl="0" eaLnBrk="1" latinLnBrk="0" hangingPunct="1">
+        <a:defRPr sz="1139" kern="1200">
           <a:solidFill>
             <a:schemeClr val="tx1"/>
           </a:solidFill>
@@ -2932,8 +2941,8 @@
           <a:cs typeface="+mn-cs"/>
         </a:defRPr>
       </a:lvl8pPr>
-      <a:lvl9pPr marL="3657600" algn="l" defTabSz="914400" rtl="0" eaLnBrk="1" latinLnBrk="0" hangingPunct="1">
-        <a:defRPr sz="1800" kern="1200">
+      <a:lvl9pPr marL="2313798" algn="l" defTabSz="578449" rtl="0" eaLnBrk="1" latinLnBrk="0" hangingPunct="1">
+        <a:defRPr sz="1139" kern="1200">
           <a:solidFill>
             <a:schemeClr val="tx1"/>
           </a:solidFill>
@@ -2972,7 +2981,7 @@
         </p:nvGrpSpPr>
         <p:grpSpPr>
           <a:xfrm>
-            <a:off x="1197215" y="1433879"/>
+            <a:off x="277079" y="240942"/>
             <a:ext cx="9931464" cy="3777736"/>
             <a:chOff x="1025765" y="738554"/>
             <a:chExt cx="9931464" cy="3777736"/>
@@ -3015,7 +3024,7 @@
             <a:p>
               <a:pPr algn="ctr"/>
               <a:r>
-                <a:rPr lang="en-US" altLang="zh-CN" dirty="0" smtClean="0"/>
+                <a:rPr lang="en-US" altLang="zh-CN" dirty="0"/>
                 <a:t>RL</a:t>
               </a:r>
               <a:endParaRPr lang="zh-CN" altLang="en-US" dirty="0"/>
@@ -3073,10 +3082,10 @@
               <a:p>
                 <a:pPr algn="ctr"/>
                 <a:r>
-                  <a:rPr lang="en-US" altLang="zh-CN" sz="1200" dirty="0" smtClean="0"/>
+                  <a:rPr lang="en-US" altLang="zh-CN" sz="1201" dirty="0"/>
                   <a:t>Model-free</a:t>
                 </a:r>
-                <a:endParaRPr lang="zh-CN" altLang="en-US" sz="1200" dirty="0"/>
+                <a:endParaRPr lang="zh-CN" altLang="en-US" sz="1201" dirty="0"/>
               </a:p>
             </p:txBody>
           </p:sp>
@@ -3131,10 +3140,10 @@
                 <a:p>
                   <a:pPr algn="ctr"/>
                   <a:r>
-                    <a:rPr lang="en-US" altLang="zh-CN" sz="1200" dirty="0" smtClean="0"/>
+                    <a:rPr lang="en-US" altLang="zh-CN" sz="1201" dirty="0"/>
                     <a:t>Policy-based</a:t>
                   </a:r>
-                  <a:endParaRPr lang="zh-CN" altLang="en-US" sz="1200" dirty="0"/>
+                  <a:endParaRPr lang="zh-CN" altLang="en-US" sz="1201" dirty="0"/>
                 </a:p>
               </p:txBody>
             </p:sp>
@@ -3178,10 +3187,10 @@
                 <a:p>
                   <a:pPr algn="ctr"/>
                   <a:r>
-                    <a:rPr lang="en-US" altLang="zh-CN" sz="1200" dirty="0" smtClean="0"/>
+                    <a:rPr lang="en-US" altLang="zh-CN" sz="1201" dirty="0"/>
                     <a:t>Policy-gradient</a:t>
                   </a:r>
-                  <a:endParaRPr lang="zh-CN" altLang="en-US" sz="1200" dirty="0"/>
+                  <a:endParaRPr lang="zh-CN" altLang="en-US" sz="1201" dirty="0"/>
                 </a:p>
               </p:txBody>
             </p:sp>
@@ -3225,10 +3234,10 @@
                 <a:p>
                   <a:pPr algn="ctr"/>
                   <a:r>
-                    <a:rPr lang="en-US" altLang="zh-CN" sz="1200" dirty="0" smtClean="0"/>
+                    <a:rPr lang="en-US" altLang="zh-CN" sz="1201" dirty="0"/>
                     <a:t>A2C</a:t>
                   </a:r>
-                  <a:endParaRPr lang="zh-CN" altLang="en-US" sz="1200" dirty="0"/>
+                  <a:endParaRPr lang="zh-CN" altLang="en-US" sz="1201" dirty="0"/>
                 </a:p>
               </p:txBody>
             </p:sp>
@@ -3272,10 +3281,10 @@
                 <a:p>
                   <a:pPr algn="ctr"/>
                   <a:r>
-                    <a:rPr lang="en-US" altLang="zh-CN" sz="1200" dirty="0" smtClean="0"/>
+                    <a:rPr lang="en-US" altLang="zh-CN" sz="1201" dirty="0"/>
                     <a:t>PPO</a:t>
                   </a:r>
-                  <a:endParaRPr lang="zh-CN" altLang="en-US" sz="1200" dirty="0"/>
+                  <a:endParaRPr lang="zh-CN" altLang="en-US" sz="1201" dirty="0"/>
                 </a:p>
               </p:txBody>
             </p:sp>
@@ -3319,10 +3328,10 @@
                 <a:p>
                   <a:pPr algn="ctr"/>
                   <a:r>
-                    <a:rPr lang="en-US" altLang="zh-CN" sz="1200" dirty="0" smtClean="0"/>
+                    <a:rPr lang="en-US" altLang="zh-CN" sz="1201" dirty="0"/>
                     <a:t>TRPO</a:t>
                   </a:r>
-                  <a:endParaRPr lang="zh-CN" altLang="en-US" sz="1200" dirty="0"/>
+                  <a:endParaRPr lang="zh-CN" altLang="en-US" sz="1201" dirty="0"/>
                 </a:p>
               </p:txBody>
             </p:sp>
@@ -3366,10 +3375,10 @@
                 <a:p>
                   <a:pPr algn="ctr"/>
                   <a:r>
-                    <a:rPr lang="en-US" altLang="zh-CN" sz="1200" dirty="0" smtClean="0"/>
+                    <a:rPr lang="en-US" altLang="zh-CN" sz="1201" dirty="0"/>
                     <a:t>DDPG</a:t>
                   </a:r>
-                  <a:endParaRPr lang="zh-CN" altLang="en-US" sz="1200" dirty="0"/>
+                  <a:endParaRPr lang="zh-CN" altLang="en-US" sz="1201" dirty="0"/>
                 </a:p>
               </p:txBody>
             </p:sp>
@@ -3413,10 +3422,10 @@
                 <a:p>
                   <a:pPr algn="ctr"/>
                   <a:r>
-                    <a:rPr lang="en-US" altLang="zh-CN" sz="1200" dirty="0" smtClean="0"/>
+                    <a:rPr lang="en-US" altLang="zh-CN" sz="1201" dirty="0"/>
                     <a:t>TD3</a:t>
                   </a:r>
-                  <a:endParaRPr lang="zh-CN" altLang="en-US" sz="1200" dirty="0"/>
+                  <a:endParaRPr lang="zh-CN" altLang="en-US" sz="1201" dirty="0"/>
                 </a:p>
               </p:txBody>
             </p:sp>
@@ -3460,10 +3469,10 @@
                 <a:p>
                   <a:pPr algn="ctr"/>
                   <a:r>
-                    <a:rPr lang="en-US" altLang="zh-CN" sz="1200" dirty="0" smtClean="0"/>
+                    <a:rPr lang="en-US" altLang="zh-CN" sz="1201" dirty="0"/>
                     <a:t>SAC</a:t>
                   </a:r>
-                  <a:endParaRPr lang="zh-CN" altLang="en-US" sz="1200" dirty="0"/>
+                  <a:endParaRPr lang="zh-CN" altLang="en-US" sz="1201" dirty="0"/>
                 </a:p>
               </p:txBody>
             </p:sp>
@@ -3507,10 +3516,10 @@
                 <a:p>
                   <a:pPr algn="ctr"/>
                   <a:r>
-                    <a:rPr lang="en-US" altLang="zh-CN" sz="1200" dirty="0" smtClean="0"/>
+                    <a:rPr lang="en-US" altLang="zh-CN" sz="1201" dirty="0"/>
                     <a:t>DQN</a:t>
                   </a:r>
-                  <a:endParaRPr lang="zh-CN" altLang="en-US" sz="1200" dirty="0"/>
+                  <a:endParaRPr lang="zh-CN" altLang="en-US" sz="1201" dirty="0"/>
                 </a:p>
               </p:txBody>
             </p:sp>
@@ -3554,10 +3563,10 @@
                 <a:p>
                   <a:pPr algn="ctr"/>
                   <a:r>
-                    <a:rPr lang="en-US" altLang="zh-CN" sz="1200" dirty="0" smtClean="0"/>
+                    <a:rPr lang="en-US" altLang="zh-CN" sz="1201" dirty="0"/>
                     <a:t>C51</a:t>
                   </a:r>
-                  <a:endParaRPr lang="zh-CN" altLang="en-US" sz="1200" dirty="0"/>
+                  <a:endParaRPr lang="zh-CN" altLang="en-US" sz="1201" dirty="0"/>
                 </a:p>
               </p:txBody>
             </p:sp>
@@ -3601,10 +3610,10 @@
                 <a:p>
                   <a:pPr algn="ctr"/>
                   <a:r>
-                    <a:rPr lang="en-US" altLang="zh-CN" sz="1200" dirty="0" smtClean="0"/>
+                    <a:rPr lang="en-US" altLang="zh-CN" sz="1201" dirty="0"/>
                     <a:t>QR-DQN</a:t>
                   </a:r>
-                  <a:endParaRPr lang="zh-CN" altLang="en-US" sz="1200" dirty="0"/>
+                  <a:endParaRPr lang="zh-CN" altLang="en-US" sz="1201" dirty="0"/>
                 </a:p>
               </p:txBody>
             </p:sp>
@@ -3648,10 +3657,10 @@
                 <a:p>
                   <a:pPr algn="ctr"/>
                   <a:r>
-                    <a:rPr lang="en-US" altLang="zh-CN" sz="1200" dirty="0" smtClean="0"/>
+                    <a:rPr lang="en-US" altLang="zh-CN" sz="1201" dirty="0"/>
                     <a:t>HER</a:t>
                   </a:r>
-                  <a:endParaRPr lang="zh-CN" altLang="en-US" sz="1200" dirty="0"/>
+                  <a:endParaRPr lang="zh-CN" altLang="en-US" sz="1201" dirty="0"/>
                 </a:p>
               </p:txBody>
             </p:sp>
@@ -3971,10 +3980,10 @@
                   <a:p>
                     <a:pPr algn="ctr"/>
                     <a:r>
-                      <a:rPr lang="en-US" altLang="zh-CN" sz="1200" dirty="0" smtClean="0"/>
-                      <a:t>Model-free</a:t>
+                      <a:rPr lang="en-US" altLang="zh-CN" sz="1201" dirty="0" smtClean="0"/>
+                      <a:t>Value-based</a:t>
                     </a:r>
-                    <a:endParaRPr lang="zh-CN" altLang="en-US" sz="1200" dirty="0"/>
+                    <a:endParaRPr lang="zh-CN" altLang="en-US" sz="1201" dirty="0"/>
                   </a:p>
                 </p:txBody>
               </p:sp>
@@ -4441,10 +4450,10 @@
               <a:p>
                 <a:pPr algn="ctr"/>
                 <a:r>
-                  <a:rPr lang="en-US" altLang="zh-CN" sz="1200" dirty="0" smtClean="0"/>
-                  <a:t>Model-free</a:t>
+                  <a:rPr lang="en-US" altLang="zh-CN" sz="1201" smtClean="0"/>
+                  <a:t>Model-based</a:t>
                 </a:r>
-                <a:endParaRPr lang="zh-CN" altLang="en-US" sz="1200" dirty="0"/>
+                <a:endParaRPr lang="zh-CN" altLang="en-US" sz="1201" dirty="0"/>
               </a:p>
             </p:txBody>
           </p:sp>
@@ -4499,10 +4508,10 @@
                 <a:p>
                   <a:pPr algn="ctr"/>
                   <a:r>
-                    <a:rPr lang="en-US" altLang="zh-CN" sz="1200" dirty="0" smtClean="0"/>
+                    <a:rPr lang="en-US" altLang="zh-CN" sz="1201" dirty="0"/>
                     <a:t>Learn the Model</a:t>
                   </a:r>
-                  <a:endParaRPr lang="zh-CN" altLang="en-US" sz="1200" dirty="0"/>
+                  <a:endParaRPr lang="zh-CN" altLang="en-US" sz="1201" dirty="0"/>
                 </a:p>
               </p:txBody>
             </p:sp>
@@ -4546,10 +4555,10 @@
                 <a:p>
                   <a:pPr algn="ctr"/>
                   <a:r>
-                    <a:rPr lang="en-US" altLang="zh-CN" sz="1200" dirty="0" smtClean="0"/>
+                    <a:rPr lang="en-US" altLang="zh-CN" sz="1201" dirty="0"/>
                     <a:t>World Models</a:t>
                   </a:r>
-                  <a:endParaRPr lang="zh-CN" altLang="en-US" sz="1200" dirty="0"/>
+                  <a:endParaRPr lang="zh-CN" altLang="en-US" sz="1201" dirty="0"/>
                 </a:p>
               </p:txBody>
             </p:sp>
@@ -4593,10 +4602,10 @@
                 <a:p>
                   <a:pPr algn="ctr"/>
                   <a:r>
-                    <a:rPr lang="en-US" altLang="zh-CN" sz="1200" dirty="0" smtClean="0"/>
+                    <a:rPr lang="en-US" altLang="zh-CN" sz="1201" dirty="0"/>
                     <a:t>I2A</a:t>
                   </a:r>
-                  <a:endParaRPr lang="zh-CN" altLang="en-US" sz="1200" dirty="0"/>
+                  <a:endParaRPr lang="zh-CN" altLang="en-US" sz="1201" dirty="0"/>
                 </a:p>
               </p:txBody>
             </p:sp>
@@ -4640,10 +4649,10 @@
                 <a:p>
                   <a:pPr algn="ctr"/>
                   <a:r>
-                    <a:rPr lang="en-US" altLang="zh-CN" sz="1200" dirty="0" smtClean="0"/>
+                    <a:rPr lang="en-US" altLang="zh-CN" sz="1201" dirty="0"/>
                     <a:t>QR-DQN</a:t>
                   </a:r>
-                  <a:endParaRPr lang="zh-CN" altLang="en-US" sz="1200" dirty="0"/>
+                  <a:endParaRPr lang="zh-CN" altLang="en-US" sz="1201" dirty="0"/>
                 </a:p>
               </p:txBody>
             </p:sp>
@@ -4946,10 +4955,10 @@
             <a:p>
               <a:pPr algn="ctr"/>
               <a:r>
-                <a:rPr lang="en-US" altLang="zh-CN" sz="1200" dirty="0" smtClean="0"/>
-                <a:t>Learn the Model</a:t>
+                <a:rPr lang="en-US" altLang="zh-CN" sz="1201" dirty="0"/>
+                <a:t>Given the Model</a:t>
               </a:r>
-              <a:endParaRPr lang="zh-CN" altLang="en-US" sz="1200" dirty="0"/>
+              <a:endParaRPr lang="zh-CN" altLang="en-US" sz="1201" dirty="0"/>
             </a:p>
           </p:txBody>
         </p:sp>
@@ -4993,10 +5002,10 @@
             <a:p>
               <a:pPr algn="ctr"/>
               <a:r>
-                <a:rPr lang="en-US" altLang="zh-CN" sz="1200" dirty="0" smtClean="0"/>
+                <a:rPr lang="en-US" altLang="zh-CN" sz="1201" dirty="0"/>
                 <a:t>MBVE</a:t>
               </a:r>
-              <a:endParaRPr lang="zh-CN" altLang="en-US" sz="1200" dirty="0"/>
+              <a:endParaRPr lang="zh-CN" altLang="en-US" sz="1201" dirty="0"/>
             </a:p>
           </p:txBody>
         </p:sp>
@@ -5073,10 +5082,10 @@
             <a:p>
               <a:pPr algn="ctr"/>
               <a:r>
-                <a:rPr lang="en-US" altLang="zh-CN" sz="1200" dirty="0" err="1" smtClean="0"/>
+                <a:rPr lang="en-US" altLang="zh-CN" sz="1201" dirty="0" err="1"/>
                 <a:t>AlphaZero</a:t>
               </a:r>
-              <a:endParaRPr lang="zh-CN" altLang="en-US" sz="1200" dirty="0"/>
+              <a:endParaRPr lang="zh-CN" altLang="en-US" sz="1201" dirty="0"/>
             </a:p>
           </p:txBody>
         </p:sp>
@@ -5294,7 +5303,7 @@
 <file path=ppt/theme/theme1.xml><?xml version="1.0" encoding="utf-8"?>
 <a:theme xmlns:a="http://schemas.openxmlformats.org/drawingml/2006/main" name="Office 主题​​">
   <a:themeElements>
-    <a:clrScheme name="Office">
+    <a:clrScheme name="Office 主题​​">
       <a:dk1>
         <a:sysClr val="windowText" lastClr="000000"/>
       </a:dk1>
@@ -5332,9 +5341,9 @@
         <a:srgbClr val="954F72"/>
       </a:folHlink>
     </a:clrScheme>
-    <a:fontScheme name="Office">
+    <a:fontScheme name="Office 主题​​">
       <a:majorFont>
-        <a:latin typeface="等线 Light" panose="020F0302020204030204"/>
+        <a:latin typeface="Calibri Light" panose="020F0302020204030204"/>
         <a:ea typeface=""/>
         <a:cs typeface=""/>
         <a:font script="Jpan" typeface="游ゴシック Light"/>
@@ -5369,7 +5378,7 @@
         <a:font script="Geor" typeface="Sylfaen"/>
       </a:majorFont>
       <a:minorFont>
-        <a:latin typeface="等线" panose="020F0502020204030204"/>
+        <a:latin typeface="Calibri" panose="020F0502020204030204"/>
         <a:ea typeface=""/>
         <a:cs typeface=""/>
         <a:font script="Jpan" typeface="游ゴシック"/>
@@ -5404,7 +5413,7 @@
         <a:font script="Geor" typeface="Sylfaen"/>
       </a:minorFont>
     </a:fontScheme>
-    <a:fmtScheme name="Office">
+    <a:fmtScheme name="Office 主题​​">
       <a:fillStyleLst>
         <a:solidFill>
           <a:schemeClr val="phClr"/>
